--- a/PokerHandsInvestigations.pptx
+++ b/PokerHandsInvestigations.pptx
@@ -5,19 +5,21 @@
     <p:sldMasterId id="2147483648" r:id="rId1"/>
   </p:sldMasterIdLst>
   <p:notesMasterIdLst>
-    <p:notesMasterId r:id="rId12"/>
+    <p:notesMasterId r:id="rId14"/>
   </p:notesMasterIdLst>
   <p:sldIdLst>
     <p:sldId id="256" r:id="rId2"/>
-    <p:sldId id="257" r:id="rId3"/>
-    <p:sldId id="258" r:id="rId4"/>
-    <p:sldId id="259" r:id="rId5"/>
-    <p:sldId id="260" r:id="rId6"/>
-    <p:sldId id="261" r:id="rId7"/>
-    <p:sldId id="262" r:id="rId8"/>
-    <p:sldId id="263" r:id="rId9"/>
-    <p:sldId id="264" r:id="rId10"/>
-    <p:sldId id="265" r:id="rId11"/>
+    <p:sldId id="266" r:id="rId3"/>
+    <p:sldId id="267" r:id="rId4"/>
+    <p:sldId id="268" r:id="rId5"/>
+    <p:sldId id="257" r:id="rId6"/>
+    <p:sldId id="258" r:id="rId7"/>
+    <p:sldId id="259" r:id="rId8"/>
+    <p:sldId id="261" r:id="rId9"/>
+    <p:sldId id="262" r:id="rId10"/>
+    <p:sldId id="263" r:id="rId11"/>
+    <p:sldId id="264" r:id="rId12"/>
+    <p:sldId id="265" r:id="rId13"/>
   </p:sldIdLst>
   <p:sldSz cx="9144000" cy="6858000" type="screen4x3"/>
   <p:notesSz cx="6858000" cy="9144000"/>
@@ -201,7 +203,7 @@
           <a:p>
             <a:fld id="{141F1B6B-55B6-4DE5-B9B5-158D654402E7}" type="datetimeFigureOut">
               <a:rPr lang="en-US" smtClean="0"/>
-              <a:t>3/24/2016</a:t>
+              <a:t>4/26/2016</a:t>
             </a:fld>
             <a:endParaRPr lang="en-US"/>
           </a:p>
@@ -734,7 +736,7 @@
           <a:p>
             <a:fld id="{F9EF8854-D29A-4031-A3E5-D24EE706817D}" type="datetimeFigureOut">
               <a:rPr lang="en-US" smtClean="0"/>
-              <a:t>3/24/2016</a:t>
+              <a:t>4/26/2016</a:t>
             </a:fld>
             <a:endParaRPr lang="en-US"/>
           </a:p>
@@ -904,7 +906,7 @@
           <a:p>
             <a:fld id="{F9EF8854-D29A-4031-A3E5-D24EE706817D}" type="datetimeFigureOut">
               <a:rPr lang="en-US" smtClean="0"/>
-              <a:t>3/24/2016</a:t>
+              <a:t>4/26/2016</a:t>
             </a:fld>
             <a:endParaRPr lang="en-US"/>
           </a:p>
@@ -1084,7 +1086,7 @@
           <a:p>
             <a:fld id="{F9EF8854-D29A-4031-A3E5-D24EE706817D}" type="datetimeFigureOut">
               <a:rPr lang="en-US" smtClean="0"/>
-              <a:t>3/24/2016</a:t>
+              <a:t>4/26/2016</a:t>
             </a:fld>
             <a:endParaRPr lang="en-US"/>
           </a:p>
@@ -1254,7 +1256,7 @@
           <a:p>
             <a:fld id="{F9EF8854-D29A-4031-A3E5-D24EE706817D}" type="datetimeFigureOut">
               <a:rPr lang="en-US" smtClean="0"/>
-              <a:t>3/24/2016</a:t>
+              <a:t>4/26/2016</a:t>
             </a:fld>
             <a:endParaRPr lang="en-US"/>
           </a:p>
@@ -1500,7 +1502,7 @@
           <a:p>
             <a:fld id="{F9EF8854-D29A-4031-A3E5-D24EE706817D}" type="datetimeFigureOut">
               <a:rPr lang="en-US" smtClean="0"/>
-              <a:t>3/24/2016</a:t>
+              <a:t>4/26/2016</a:t>
             </a:fld>
             <a:endParaRPr lang="en-US"/>
           </a:p>
@@ -1788,7 +1790,7 @@
           <a:p>
             <a:fld id="{F9EF8854-D29A-4031-A3E5-D24EE706817D}" type="datetimeFigureOut">
               <a:rPr lang="en-US" smtClean="0"/>
-              <a:t>3/24/2016</a:t>
+              <a:t>4/26/2016</a:t>
             </a:fld>
             <a:endParaRPr lang="en-US"/>
           </a:p>
@@ -2210,7 +2212,7 @@
           <a:p>
             <a:fld id="{F9EF8854-D29A-4031-A3E5-D24EE706817D}" type="datetimeFigureOut">
               <a:rPr lang="en-US" smtClean="0"/>
-              <a:t>3/24/2016</a:t>
+              <a:t>4/26/2016</a:t>
             </a:fld>
             <a:endParaRPr lang="en-US"/>
           </a:p>
@@ -2328,7 +2330,7 @@
           <a:p>
             <a:fld id="{F9EF8854-D29A-4031-A3E5-D24EE706817D}" type="datetimeFigureOut">
               <a:rPr lang="en-US" smtClean="0"/>
-              <a:t>3/24/2016</a:t>
+              <a:t>4/26/2016</a:t>
             </a:fld>
             <a:endParaRPr lang="en-US"/>
           </a:p>
@@ -2423,7 +2425,7 @@
           <a:p>
             <a:fld id="{F9EF8854-D29A-4031-A3E5-D24EE706817D}" type="datetimeFigureOut">
               <a:rPr lang="en-US" smtClean="0"/>
-              <a:t>3/24/2016</a:t>
+              <a:t>4/26/2016</a:t>
             </a:fld>
             <a:endParaRPr lang="en-US"/>
           </a:p>
@@ -2700,7 +2702,7 @@
           <a:p>
             <a:fld id="{F9EF8854-D29A-4031-A3E5-D24EE706817D}" type="datetimeFigureOut">
               <a:rPr lang="en-US" smtClean="0"/>
-              <a:t>3/24/2016</a:t>
+              <a:t>4/26/2016</a:t>
             </a:fld>
             <a:endParaRPr lang="en-US"/>
           </a:p>
@@ -2953,7 +2955,7 @@
           <a:p>
             <a:fld id="{F9EF8854-D29A-4031-A3E5-D24EE706817D}" type="datetimeFigureOut">
               <a:rPr lang="en-US" smtClean="0"/>
-              <a:t>3/24/2016</a:t>
+              <a:t>4/26/2016</a:t>
             </a:fld>
             <a:endParaRPr lang="en-US"/>
           </a:p>
@@ -3166,7 +3168,7 @@
           <a:p>
             <a:fld id="{F9EF8854-D29A-4031-A3E5-D24EE706817D}" type="datetimeFigureOut">
               <a:rPr lang="en-US" smtClean="0"/>
-              <a:t>3/24/2016</a:t>
+              <a:t>4/26/2016</a:t>
             </a:fld>
             <a:endParaRPr lang="en-US"/>
           </a:p>
@@ -3698,6 +3700,866 @@
           <a:p>
             <a:r>
               <a:rPr lang="en-US" dirty="0" smtClean="0"/>
+              <a:t>Sets A and B from two players</a:t>
+            </a:r>
+            <a:endParaRPr lang="en-US" dirty="0"/>
+          </a:p>
+        </p:txBody>
+      </p:sp>
+      <p:sp>
+        <p:nvSpPr>
+          <p:cNvPr id="3" name="Content Placeholder 2"/>
+          <p:cNvSpPr>
+            <a:spLocks noGrp="1"/>
+          </p:cNvSpPr>
+          <p:nvPr>
+            <p:ph idx="1"/>
+          </p:nvPr>
+        </p:nvSpPr>
+        <p:spPr/>
+        <p:txBody>
+          <a:bodyPr/>
+          <a:lstStyle/>
+          <a:p>
+            <a:endParaRPr lang="en-US" dirty="0"/>
+          </a:p>
+        </p:txBody>
+      </p:sp>
+      <p:pic>
+        <p:nvPicPr>
+          <p:cNvPr id="4098" name="Picture 2" descr="C:\Users\Tao\Google Drive\cs591\CSCI-491-Project\figures\A0mR.png"/>
+          <p:cNvPicPr>
+            <a:picLocks noChangeAspect="1" noChangeArrowheads="1"/>
+          </p:cNvPicPr>
+          <p:nvPr/>
+        </p:nvPicPr>
+        <p:blipFill>
+          <a:blip r:embed="rId2" cstate="print">
+            <a:extLst>
+              <a:ext uri="{28A0092B-C50C-407E-A947-70E740481C1C}">
+                <a14:useLocalDpi xmlns:a14="http://schemas.microsoft.com/office/drawing/2010/main" val="0"/>
+              </a:ext>
+            </a:extLst>
+          </a:blip>
+          <a:srcRect/>
+          <a:stretch>
+            <a:fillRect/>
+          </a:stretch>
+        </p:blipFill>
+        <p:spPr bwMode="auto">
+          <a:xfrm>
+            <a:off x="467544" y="1556792"/>
+            <a:ext cx="2232248" cy="1674585"/>
+          </a:xfrm>
+          <a:prstGeom prst="rect">
+            <a:avLst/>
+          </a:prstGeom>
+          <a:noFill/>
+          <a:extLst>
+            <a:ext uri="{909E8E84-426E-40DD-AFC4-6F175D3DCCD1}">
+              <a14:hiddenFill xmlns:a14="http://schemas.microsoft.com/office/drawing/2010/main">
+                <a:solidFill>
+                  <a:srgbClr val="FFFFFF"/>
+                </a:solidFill>
+              </a14:hiddenFill>
+            </a:ext>
+          </a:extLst>
+        </p:spPr>
+      </p:pic>
+      <p:pic>
+        <p:nvPicPr>
+          <p:cNvPr id="4099" name="Picture 3" descr="C:\Users\Tao\Google Drive\cs591\CSCI-491-Project\figures\A0mR1.png"/>
+          <p:cNvPicPr>
+            <a:picLocks noChangeAspect="1" noChangeArrowheads="1"/>
+          </p:cNvPicPr>
+          <p:nvPr/>
+        </p:nvPicPr>
+        <p:blipFill>
+          <a:blip r:embed="rId3" cstate="print">
+            <a:extLst>
+              <a:ext uri="{28A0092B-C50C-407E-A947-70E740481C1C}">
+                <a14:useLocalDpi xmlns:a14="http://schemas.microsoft.com/office/drawing/2010/main" val="0"/>
+              </a:ext>
+            </a:extLst>
+          </a:blip>
+          <a:srcRect/>
+          <a:stretch>
+            <a:fillRect/>
+          </a:stretch>
+        </p:blipFill>
+        <p:spPr bwMode="auto">
+          <a:xfrm>
+            <a:off x="683568" y="3231377"/>
+            <a:ext cx="1991215" cy="1493767"/>
+          </a:xfrm>
+          <a:prstGeom prst="rect">
+            <a:avLst/>
+          </a:prstGeom>
+          <a:noFill/>
+          <a:extLst>
+            <a:ext uri="{909E8E84-426E-40DD-AFC4-6F175D3DCCD1}">
+              <a14:hiddenFill xmlns:a14="http://schemas.microsoft.com/office/drawing/2010/main">
+                <a:solidFill>
+                  <a:srgbClr val="FFFFFF"/>
+                </a:solidFill>
+              </a14:hiddenFill>
+            </a:ext>
+          </a:extLst>
+        </p:spPr>
+      </p:pic>
+      <p:pic>
+        <p:nvPicPr>
+          <p:cNvPr id="4100" name="Picture 4" descr="C:\Users\Tao\Google Drive\cs591\CSCI-491-Project\figures\B0mR.png"/>
+          <p:cNvPicPr>
+            <a:picLocks noChangeAspect="1" noChangeArrowheads="1"/>
+          </p:cNvPicPr>
+          <p:nvPr/>
+        </p:nvPicPr>
+        <p:blipFill>
+          <a:blip r:embed="rId4" cstate="print">
+            <a:extLst>
+              <a:ext uri="{28A0092B-C50C-407E-A947-70E740481C1C}">
+                <a14:useLocalDpi xmlns:a14="http://schemas.microsoft.com/office/drawing/2010/main" val="0"/>
+              </a:ext>
+            </a:extLst>
+          </a:blip>
+          <a:srcRect/>
+          <a:stretch>
+            <a:fillRect/>
+          </a:stretch>
+        </p:blipFill>
+        <p:spPr bwMode="auto">
+          <a:xfrm>
+            <a:off x="2699793" y="1556792"/>
+            <a:ext cx="2088232" cy="1566547"/>
+          </a:xfrm>
+          <a:prstGeom prst="rect">
+            <a:avLst/>
+          </a:prstGeom>
+          <a:noFill/>
+          <a:extLst>
+            <a:ext uri="{909E8E84-426E-40DD-AFC4-6F175D3DCCD1}">
+              <a14:hiddenFill xmlns:a14="http://schemas.microsoft.com/office/drawing/2010/main">
+                <a:solidFill>
+                  <a:srgbClr val="FFFFFF"/>
+                </a:solidFill>
+              </a14:hiddenFill>
+            </a:ext>
+          </a:extLst>
+        </p:spPr>
+      </p:pic>
+      <p:pic>
+        <p:nvPicPr>
+          <p:cNvPr id="4101" name="Picture 5" descr="C:\Users\Tao\Google Drive\cs591\CSCI-491-Project\figures\B0mR1.png"/>
+          <p:cNvPicPr>
+            <a:picLocks noChangeAspect="1" noChangeArrowheads="1"/>
+          </p:cNvPicPr>
+          <p:nvPr/>
+        </p:nvPicPr>
+        <p:blipFill>
+          <a:blip r:embed="rId5" cstate="print">
+            <a:extLst>
+              <a:ext uri="{28A0092B-C50C-407E-A947-70E740481C1C}">
+                <a14:useLocalDpi xmlns:a14="http://schemas.microsoft.com/office/drawing/2010/main" val="0"/>
+              </a:ext>
+            </a:extLst>
+          </a:blip>
+          <a:srcRect/>
+          <a:stretch>
+            <a:fillRect/>
+          </a:stretch>
+        </p:blipFill>
+        <p:spPr bwMode="auto">
+          <a:xfrm>
+            <a:off x="2699793" y="3068961"/>
+            <a:ext cx="2304255" cy="1728603"/>
+          </a:xfrm>
+          <a:prstGeom prst="rect">
+            <a:avLst/>
+          </a:prstGeom>
+          <a:noFill/>
+          <a:extLst>
+            <a:ext uri="{909E8E84-426E-40DD-AFC4-6F175D3DCCD1}">
+              <a14:hiddenFill xmlns:a14="http://schemas.microsoft.com/office/drawing/2010/main">
+                <a:solidFill>
+                  <a:srgbClr val="FFFFFF"/>
+                </a:solidFill>
+              </a14:hiddenFill>
+            </a:ext>
+          </a:extLst>
+        </p:spPr>
+      </p:pic>
+      <p:sp>
+        <p:nvSpPr>
+          <p:cNvPr id="4" name="TextBox 3"/>
+          <p:cNvSpPr txBox="1"/>
+          <p:nvPr/>
+        </p:nvSpPr>
+        <p:spPr>
+          <a:xfrm>
+            <a:off x="971600" y="5085184"/>
+            <a:ext cx="7344816" cy="369332"/>
+          </a:xfrm>
+          <a:prstGeom prst="rect">
+            <a:avLst/>
+          </a:prstGeom>
+          <a:noFill/>
+        </p:spPr>
+        <p:txBody>
+          <a:bodyPr wrap="square" rtlCol="0">
+            <a:spAutoFit/>
+          </a:bodyPr>
+          <a:lstStyle/>
+          <a:p>
+            <a:r>
+              <a:rPr lang="en-US" dirty="0" smtClean="0"/>
+              <a:t>HD:2.5583 and 1.1667</a:t>
+            </a:r>
+            <a:endParaRPr lang="en-US" dirty="0"/>
+          </a:p>
+        </p:txBody>
+      </p:sp>
+      <p:pic>
+        <p:nvPicPr>
+          <p:cNvPr id="4102" name="Picture 6" descr="C:\Users\Tao\Google Drive\cs591\CSCI-491-Project\figures\ACDe.png"/>
+          <p:cNvPicPr>
+            <a:picLocks noChangeAspect="1" noChangeArrowheads="1"/>
+          </p:cNvPicPr>
+          <p:nvPr/>
+        </p:nvPicPr>
+        <p:blipFill>
+          <a:blip r:embed="rId6" cstate="print">
+            <a:extLst>
+              <a:ext uri="{28A0092B-C50C-407E-A947-70E740481C1C}">
+                <a14:useLocalDpi xmlns:a14="http://schemas.microsoft.com/office/drawing/2010/main" val="0"/>
+              </a:ext>
+            </a:extLst>
+          </a:blip>
+          <a:srcRect/>
+          <a:stretch>
+            <a:fillRect/>
+          </a:stretch>
+        </p:blipFill>
+        <p:spPr bwMode="auto">
+          <a:xfrm>
+            <a:off x="4625072" y="1487759"/>
+            <a:ext cx="2160240" cy="1620566"/>
+          </a:xfrm>
+          <a:prstGeom prst="rect">
+            <a:avLst/>
+          </a:prstGeom>
+          <a:noFill/>
+          <a:extLst>
+            <a:ext uri="{909E8E84-426E-40DD-AFC4-6F175D3DCCD1}">
+              <a14:hiddenFill xmlns:a14="http://schemas.microsoft.com/office/drawing/2010/main">
+                <a:solidFill>
+                  <a:srgbClr val="FFFFFF"/>
+                </a:solidFill>
+              </a14:hiddenFill>
+            </a:ext>
+          </a:extLst>
+        </p:spPr>
+      </p:pic>
+      <p:pic>
+        <p:nvPicPr>
+          <p:cNvPr id="4103" name="Picture 7" descr="C:\Users\Tao\Google Drive\cs591\CSCI-491-Project\figures\ACDe1.png"/>
+          <p:cNvPicPr>
+            <a:picLocks noChangeAspect="1" noChangeArrowheads="1"/>
+          </p:cNvPicPr>
+          <p:nvPr/>
+        </p:nvPicPr>
+        <p:blipFill>
+          <a:blip r:embed="rId7" cstate="print">
+            <a:extLst>
+              <a:ext uri="{28A0092B-C50C-407E-A947-70E740481C1C}">
+                <a14:useLocalDpi xmlns:a14="http://schemas.microsoft.com/office/drawing/2010/main" val="0"/>
+              </a:ext>
+            </a:extLst>
+          </a:blip>
+          <a:srcRect/>
+          <a:stretch>
+            <a:fillRect/>
+          </a:stretch>
+        </p:blipFill>
+        <p:spPr bwMode="auto">
+          <a:xfrm>
+            <a:off x="4775201" y="3108326"/>
+            <a:ext cx="1813023" cy="1360092"/>
+          </a:xfrm>
+          <a:prstGeom prst="rect">
+            <a:avLst/>
+          </a:prstGeom>
+          <a:noFill/>
+          <a:extLst>
+            <a:ext uri="{909E8E84-426E-40DD-AFC4-6F175D3DCCD1}">
+              <a14:hiddenFill xmlns:a14="http://schemas.microsoft.com/office/drawing/2010/main">
+                <a:solidFill>
+                  <a:srgbClr val="FFFFFF"/>
+                </a:solidFill>
+              </a14:hiddenFill>
+            </a:ext>
+          </a:extLst>
+        </p:spPr>
+      </p:pic>
+      <p:pic>
+        <p:nvPicPr>
+          <p:cNvPr id="4104" name="Picture 8" descr="C:\Users\Tao\Google Drive\cs591\CSCI-491-Project\figures\BCDe.png"/>
+          <p:cNvPicPr>
+            <a:picLocks noChangeAspect="1" noChangeArrowheads="1"/>
+          </p:cNvPicPr>
+          <p:nvPr/>
+        </p:nvPicPr>
+        <p:blipFill>
+          <a:blip r:embed="rId8" cstate="print">
+            <a:extLst>
+              <a:ext uri="{28A0092B-C50C-407E-A947-70E740481C1C}">
+                <a14:useLocalDpi xmlns:a14="http://schemas.microsoft.com/office/drawing/2010/main" val="0"/>
+              </a:ext>
+            </a:extLst>
+          </a:blip>
+          <a:srcRect/>
+          <a:stretch>
+            <a:fillRect/>
+          </a:stretch>
+        </p:blipFill>
+        <p:spPr bwMode="auto">
+          <a:xfrm>
+            <a:off x="6785312" y="1590863"/>
+            <a:ext cx="1728192" cy="1296453"/>
+          </a:xfrm>
+          <a:prstGeom prst="rect">
+            <a:avLst/>
+          </a:prstGeom>
+          <a:noFill/>
+          <a:extLst>
+            <a:ext uri="{909E8E84-426E-40DD-AFC4-6F175D3DCCD1}">
+              <a14:hiddenFill xmlns:a14="http://schemas.microsoft.com/office/drawing/2010/main">
+                <a:solidFill>
+                  <a:srgbClr val="FFFFFF"/>
+                </a:solidFill>
+              </a14:hiddenFill>
+            </a:ext>
+          </a:extLst>
+        </p:spPr>
+      </p:pic>
+      <p:pic>
+        <p:nvPicPr>
+          <p:cNvPr id="4105" name="Picture 9" descr="C:\Users\Tao\Google Drive\cs591\CSCI-491-Project\figures\BCDe1.png"/>
+          <p:cNvPicPr>
+            <a:picLocks noChangeAspect="1" noChangeArrowheads="1"/>
+          </p:cNvPicPr>
+          <p:nvPr/>
+        </p:nvPicPr>
+        <p:blipFill>
+          <a:blip r:embed="rId9" cstate="print">
+            <a:extLst>
+              <a:ext uri="{28A0092B-C50C-407E-A947-70E740481C1C}">
+                <a14:useLocalDpi xmlns:a14="http://schemas.microsoft.com/office/drawing/2010/main" val="0"/>
+              </a:ext>
+            </a:extLst>
+          </a:blip>
+          <a:srcRect/>
+          <a:stretch>
+            <a:fillRect/>
+          </a:stretch>
+        </p:blipFill>
+        <p:spPr bwMode="auto">
+          <a:xfrm>
+            <a:off x="6444208" y="3069730"/>
+            <a:ext cx="2212181" cy="1659531"/>
+          </a:xfrm>
+          <a:prstGeom prst="rect">
+            <a:avLst/>
+          </a:prstGeom>
+          <a:noFill/>
+          <a:extLst>
+            <a:ext uri="{909E8E84-426E-40DD-AFC4-6F175D3DCCD1}">
+              <a14:hiddenFill xmlns:a14="http://schemas.microsoft.com/office/drawing/2010/main">
+                <a:solidFill>
+                  <a:srgbClr val="FFFFFF"/>
+                </a:solidFill>
+              </a14:hiddenFill>
+            </a:ext>
+          </a:extLst>
+        </p:spPr>
+      </p:pic>
+    </p:spTree>
+    <p:extLst>
+      <p:ext uri="{BB962C8B-B14F-4D97-AF65-F5344CB8AC3E}">
+        <p14:creationId xmlns:p14="http://schemas.microsoft.com/office/powerpoint/2010/main" val="4212096502"/>
+      </p:ext>
+    </p:extLst>
+  </p:cSld>
+  <p:clrMapOvr>
+    <a:masterClrMapping/>
+  </p:clrMapOvr>
+</p:sld>
+</file>
+
+<file path=ppt/slides/slide11.xml><?xml version="1.0" encoding="utf-8"?>
+<p:sld xmlns:a="http://schemas.openxmlformats.org/drawingml/2006/main" xmlns:r="http://schemas.openxmlformats.org/officeDocument/2006/relationships" xmlns:p="http://schemas.openxmlformats.org/presentationml/2006/main">
+  <p:cSld>
+    <p:spTree>
+      <p:nvGrpSpPr>
+        <p:cNvPr id="1" name=""/>
+        <p:cNvGrpSpPr/>
+        <p:nvPr/>
+      </p:nvGrpSpPr>
+      <p:grpSpPr>
+        <a:xfrm>
+          <a:off x="0" y="0"/>
+          <a:ext cx="0" cy="0"/>
+          <a:chOff x="0" y="0"/>
+          <a:chExt cx="0" cy="0"/>
+        </a:xfrm>
+      </p:grpSpPr>
+      <p:sp>
+        <p:nvSpPr>
+          <p:cNvPr id="2" name="Title 1"/>
+          <p:cNvSpPr>
+            <a:spLocks noGrp="1"/>
+          </p:cNvSpPr>
+          <p:nvPr>
+            <p:ph type="title"/>
+          </p:nvPr>
+        </p:nvSpPr>
+        <p:spPr/>
+        <p:txBody>
+          <a:bodyPr/>
+          <a:lstStyle/>
+          <a:p>
+            <a:endParaRPr lang="en-US"/>
+          </a:p>
+        </p:txBody>
+      </p:sp>
+      <p:sp>
+        <p:nvSpPr>
+          <p:cNvPr id="3" name="Content Placeholder 2"/>
+          <p:cNvSpPr>
+            <a:spLocks noGrp="1"/>
+          </p:cNvSpPr>
+          <p:nvPr>
+            <p:ph idx="1"/>
+          </p:nvPr>
+        </p:nvSpPr>
+        <p:spPr/>
+        <p:txBody>
+          <a:bodyPr/>
+          <a:lstStyle/>
+          <a:p>
+            <a:r>
+              <a:rPr lang="en-US" dirty="0" err="1" smtClean="0"/>
+              <a:t>ddddfdfdfdfgfgfdgfd</a:t>
+            </a:r>
+            <a:endParaRPr lang="en-US" dirty="0"/>
+          </a:p>
+        </p:txBody>
+      </p:sp>
+      <p:pic>
+        <p:nvPicPr>
+          <p:cNvPr id="5122" name="Picture 2" descr="C:\Users\Tao\Google Drive\cs591\CSCI-491-Project\figures\AEL5.png"/>
+          <p:cNvPicPr>
+            <a:picLocks noChangeAspect="1" noChangeArrowheads="1"/>
+          </p:cNvPicPr>
+          <p:nvPr/>
+        </p:nvPicPr>
+        <p:blipFill>
+          <a:blip r:embed="rId2" cstate="print">
+            <a:extLst>
+              <a:ext uri="{28A0092B-C50C-407E-A947-70E740481C1C}">
+                <a14:useLocalDpi xmlns:a14="http://schemas.microsoft.com/office/drawing/2010/main" val="0"/>
+              </a:ext>
+            </a:extLst>
+          </a:blip>
+          <a:srcRect/>
+          <a:stretch>
+            <a:fillRect/>
+          </a:stretch>
+        </p:blipFill>
+        <p:spPr bwMode="auto">
+          <a:xfrm>
+            <a:off x="461515" y="1556792"/>
+            <a:ext cx="2454302" cy="1841165"/>
+          </a:xfrm>
+          <a:prstGeom prst="rect">
+            <a:avLst/>
+          </a:prstGeom>
+          <a:noFill/>
+          <a:extLst>
+            <a:ext uri="{909E8E84-426E-40DD-AFC4-6F175D3DCCD1}">
+              <a14:hiddenFill xmlns:a14="http://schemas.microsoft.com/office/drawing/2010/main">
+                <a:solidFill>
+                  <a:srgbClr val="FFFFFF"/>
+                </a:solidFill>
+              </a14:hiddenFill>
+            </a:ext>
+          </a:extLst>
+        </p:spPr>
+      </p:pic>
+      <p:pic>
+        <p:nvPicPr>
+          <p:cNvPr id="5123" name="Picture 3" descr="C:\Users\Tao\Google Drive\cs591\CSCI-491-Project\figures\AEL51.png"/>
+          <p:cNvPicPr>
+            <a:picLocks noChangeAspect="1" noChangeArrowheads="1"/>
+          </p:cNvPicPr>
+          <p:nvPr/>
+        </p:nvPicPr>
+        <p:blipFill>
+          <a:blip r:embed="rId3" cstate="print">
+            <a:extLst>
+              <a:ext uri="{28A0092B-C50C-407E-A947-70E740481C1C}">
+                <a14:useLocalDpi xmlns:a14="http://schemas.microsoft.com/office/drawing/2010/main" val="0"/>
+              </a:ext>
+            </a:extLst>
+          </a:blip>
+          <a:srcRect/>
+          <a:stretch>
+            <a:fillRect/>
+          </a:stretch>
+        </p:blipFill>
+        <p:spPr bwMode="auto">
+          <a:xfrm>
+            <a:off x="611560" y="3212976"/>
+            <a:ext cx="2304257" cy="1728604"/>
+          </a:xfrm>
+          <a:prstGeom prst="rect">
+            <a:avLst/>
+          </a:prstGeom>
+          <a:noFill/>
+          <a:extLst>
+            <a:ext uri="{909E8E84-426E-40DD-AFC4-6F175D3DCCD1}">
+              <a14:hiddenFill xmlns:a14="http://schemas.microsoft.com/office/drawing/2010/main">
+                <a:solidFill>
+                  <a:srgbClr val="FFFFFF"/>
+                </a:solidFill>
+              </a14:hiddenFill>
+            </a:ext>
+          </a:extLst>
+        </p:spPr>
+      </p:pic>
+      <p:pic>
+        <p:nvPicPr>
+          <p:cNvPr id="5124" name="Picture 4" descr="C:\Users\Tao\Google Drive\cs591\CSCI-491-Project\figures\BEL5.png"/>
+          <p:cNvPicPr>
+            <a:picLocks noChangeAspect="1" noChangeArrowheads="1"/>
+          </p:cNvPicPr>
+          <p:nvPr/>
+        </p:nvPicPr>
+        <p:blipFill>
+          <a:blip r:embed="rId4" cstate="print">
+            <a:extLst>
+              <a:ext uri="{28A0092B-C50C-407E-A947-70E740481C1C}">
+                <a14:useLocalDpi xmlns:a14="http://schemas.microsoft.com/office/drawing/2010/main" val="0"/>
+              </a:ext>
+            </a:extLst>
+          </a:blip>
+          <a:srcRect/>
+          <a:stretch>
+            <a:fillRect/>
+          </a:stretch>
+        </p:blipFill>
+        <p:spPr bwMode="auto">
+          <a:xfrm>
+            <a:off x="2771800" y="1556792"/>
+            <a:ext cx="2207720" cy="1656184"/>
+          </a:xfrm>
+          <a:prstGeom prst="rect">
+            <a:avLst/>
+          </a:prstGeom>
+          <a:noFill/>
+          <a:extLst>
+            <a:ext uri="{909E8E84-426E-40DD-AFC4-6F175D3DCCD1}">
+              <a14:hiddenFill xmlns:a14="http://schemas.microsoft.com/office/drawing/2010/main">
+                <a:solidFill>
+                  <a:srgbClr val="FFFFFF"/>
+                </a:solidFill>
+              </a14:hiddenFill>
+            </a:ext>
+          </a:extLst>
+        </p:spPr>
+      </p:pic>
+      <p:pic>
+        <p:nvPicPr>
+          <p:cNvPr id="5125" name="Picture 5" descr="C:\Users\Tao\Google Drive\cs591\CSCI-491-Project\figures\BEL52.png"/>
+          <p:cNvPicPr>
+            <a:picLocks noChangeAspect="1" noChangeArrowheads="1"/>
+          </p:cNvPicPr>
+          <p:nvPr/>
+        </p:nvPicPr>
+        <p:blipFill>
+          <a:blip r:embed="rId5" cstate="print">
+            <a:extLst>
+              <a:ext uri="{28A0092B-C50C-407E-A947-70E740481C1C}">
+                <a14:useLocalDpi xmlns:a14="http://schemas.microsoft.com/office/drawing/2010/main" val="0"/>
+              </a:ext>
+            </a:extLst>
+          </a:blip>
+          <a:srcRect/>
+          <a:stretch>
+            <a:fillRect/>
+          </a:stretch>
+        </p:blipFill>
+        <p:spPr bwMode="auto">
+          <a:xfrm>
+            <a:off x="2931698" y="3140968"/>
+            <a:ext cx="2207720" cy="1656184"/>
+          </a:xfrm>
+          <a:prstGeom prst="rect">
+            <a:avLst/>
+          </a:prstGeom>
+          <a:noFill/>
+          <a:extLst>
+            <a:ext uri="{909E8E84-426E-40DD-AFC4-6F175D3DCCD1}">
+              <a14:hiddenFill xmlns:a14="http://schemas.microsoft.com/office/drawing/2010/main">
+                <a:solidFill>
+                  <a:srgbClr val="FFFFFF"/>
+                </a:solidFill>
+              </a14:hiddenFill>
+            </a:ext>
+          </a:extLst>
+        </p:spPr>
+      </p:pic>
+      <p:sp>
+        <p:nvSpPr>
+          <p:cNvPr id="4" name="TextBox 3"/>
+          <p:cNvSpPr txBox="1"/>
+          <p:nvPr/>
+        </p:nvSpPr>
+        <p:spPr>
+          <a:xfrm>
+            <a:off x="1128194" y="5157192"/>
+            <a:ext cx="3587822" cy="369332"/>
+          </a:xfrm>
+          <a:prstGeom prst="rect">
+            <a:avLst/>
+          </a:prstGeom>
+          <a:noFill/>
+        </p:spPr>
+        <p:txBody>
+          <a:bodyPr wrap="square" rtlCol="0">
+            <a:spAutoFit/>
+          </a:bodyPr>
+          <a:lstStyle/>
+          <a:p>
+            <a:r>
+              <a:rPr lang="en-US" dirty="0" smtClean="0"/>
+              <a:t>HD:1.1667 and 8.9096</a:t>
+            </a:r>
+            <a:endParaRPr lang="en-US" dirty="0"/>
+          </a:p>
+        </p:txBody>
+      </p:sp>
+      <p:pic>
+        <p:nvPicPr>
+          <p:cNvPr id="5128" name="Picture 8" descr="C:\Users\Tao\Google Drive\cs591\CSCI-491-Project\figures\AfsU.png"/>
+          <p:cNvPicPr>
+            <a:picLocks noChangeAspect="1" noChangeArrowheads="1"/>
+          </p:cNvPicPr>
+          <p:nvPr/>
+        </p:nvPicPr>
+        <p:blipFill>
+          <a:blip r:embed="rId6" cstate="print">
+            <a:extLst>
+              <a:ext uri="{28A0092B-C50C-407E-A947-70E740481C1C}">
+                <a14:useLocalDpi xmlns:a14="http://schemas.microsoft.com/office/drawing/2010/main" val="0"/>
+              </a:ext>
+            </a:extLst>
+          </a:blip>
+          <a:srcRect/>
+          <a:stretch>
+            <a:fillRect/>
+          </a:stretch>
+        </p:blipFill>
+        <p:spPr bwMode="auto">
+          <a:xfrm>
+            <a:off x="4788024" y="1400365"/>
+            <a:ext cx="2447143" cy="1835794"/>
+          </a:xfrm>
+          <a:prstGeom prst="rect">
+            <a:avLst/>
+          </a:prstGeom>
+          <a:noFill/>
+          <a:extLst>
+            <a:ext uri="{909E8E84-426E-40DD-AFC4-6F175D3DCCD1}">
+              <a14:hiddenFill xmlns:a14="http://schemas.microsoft.com/office/drawing/2010/main">
+                <a:solidFill>
+                  <a:srgbClr val="FFFFFF"/>
+                </a:solidFill>
+              </a14:hiddenFill>
+            </a:ext>
+          </a:extLst>
+        </p:spPr>
+      </p:pic>
+      <p:pic>
+        <p:nvPicPr>
+          <p:cNvPr id="5129" name="Picture 9" descr="C:\Users\Tao\Google Drive\cs591\CSCI-491-Project\figures\AfsU1.png"/>
+          <p:cNvPicPr>
+            <a:picLocks noChangeAspect="1" noChangeArrowheads="1"/>
+          </p:cNvPicPr>
+          <p:nvPr/>
+        </p:nvPicPr>
+        <p:blipFill>
+          <a:blip r:embed="rId7" cstate="print">
+            <a:extLst>
+              <a:ext uri="{28A0092B-C50C-407E-A947-70E740481C1C}">
+                <a14:useLocalDpi xmlns:a14="http://schemas.microsoft.com/office/drawing/2010/main" val="0"/>
+              </a:ext>
+            </a:extLst>
+          </a:blip>
+          <a:srcRect/>
+          <a:stretch>
+            <a:fillRect/>
+          </a:stretch>
+        </p:blipFill>
+        <p:spPr bwMode="auto">
+          <a:xfrm>
+            <a:off x="4788128" y="3094946"/>
+            <a:ext cx="2142561" cy="1607304"/>
+          </a:xfrm>
+          <a:prstGeom prst="rect">
+            <a:avLst/>
+          </a:prstGeom>
+          <a:noFill/>
+          <a:extLst>
+            <a:ext uri="{909E8E84-426E-40DD-AFC4-6F175D3DCCD1}">
+              <a14:hiddenFill xmlns:a14="http://schemas.microsoft.com/office/drawing/2010/main">
+                <a:solidFill>
+                  <a:srgbClr val="FFFFFF"/>
+                </a:solidFill>
+              </a14:hiddenFill>
+            </a:ext>
+          </a:extLst>
+        </p:spPr>
+      </p:pic>
+      <p:pic>
+        <p:nvPicPr>
+          <p:cNvPr id="5130" name="Picture 10" descr="C:\Users\Tao\Google Drive\cs591\CSCI-491-Project\figures\BfsU.png"/>
+          <p:cNvPicPr>
+            <a:picLocks noChangeAspect="1" noChangeArrowheads="1"/>
+          </p:cNvPicPr>
+          <p:nvPr/>
+        </p:nvPicPr>
+        <p:blipFill>
+          <a:blip r:embed="rId8" cstate="print">
+            <a:extLst>
+              <a:ext uri="{28A0092B-C50C-407E-A947-70E740481C1C}">
+                <a14:useLocalDpi xmlns:a14="http://schemas.microsoft.com/office/drawing/2010/main" val="0"/>
+              </a:ext>
+            </a:extLst>
+          </a:blip>
+          <a:srcRect/>
+          <a:stretch>
+            <a:fillRect/>
+          </a:stretch>
+        </p:blipFill>
+        <p:spPr bwMode="auto">
+          <a:xfrm>
+            <a:off x="6882185" y="1742350"/>
+            <a:ext cx="2258903" cy="1694581"/>
+          </a:xfrm>
+          <a:prstGeom prst="rect">
+            <a:avLst/>
+          </a:prstGeom>
+          <a:noFill/>
+          <a:extLst>
+            <a:ext uri="{909E8E84-426E-40DD-AFC4-6F175D3DCCD1}">
+              <a14:hiddenFill xmlns:a14="http://schemas.microsoft.com/office/drawing/2010/main">
+                <a:solidFill>
+                  <a:srgbClr val="FFFFFF"/>
+                </a:solidFill>
+              </a14:hiddenFill>
+            </a:ext>
+          </a:extLst>
+        </p:spPr>
+      </p:pic>
+      <p:pic>
+        <p:nvPicPr>
+          <p:cNvPr id="5131" name="Picture 11" descr="C:\Users\Tao\Google Drive\cs591\CSCI-491-Project\figures\BfsU1.png"/>
+          <p:cNvPicPr>
+            <a:picLocks noChangeAspect="1" noChangeArrowheads="1"/>
+          </p:cNvPicPr>
+          <p:nvPr/>
+        </p:nvPicPr>
+        <p:blipFill>
+          <a:blip r:embed="rId9" cstate="print">
+            <a:extLst>
+              <a:ext uri="{28A0092B-C50C-407E-A947-70E740481C1C}">
+                <a14:useLocalDpi xmlns:a14="http://schemas.microsoft.com/office/drawing/2010/main" val="0"/>
+              </a:ext>
+            </a:extLst>
+          </a:blip>
+          <a:srcRect/>
+          <a:stretch>
+            <a:fillRect/>
+          </a:stretch>
+        </p:blipFill>
+        <p:spPr bwMode="auto">
+          <a:xfrm>
+            <a:off x="6974919" y="3467644"/>
+            <a:ext cx="1783359" cy="1337838"/>
+          </a:xfrm>
+          <a:prstGeom prst="rect">
+            <a:avLst/>
+          </a:prstGeom>
+          <a:noFill/>
+          <a:extLst>
+            <a:ext uri="{909E8E84-426E-40DD-AFC4-6F175D3DCCD1}">
+              <a14:hiddenFill xmlns:a14="http://schemas.microsoft.com/office/drawing/2010/main">
+                <a:solidFill>
+                  <a:srgbClr val="FFFFFF"/>
+                </a:solidFill>
+              </a14:hiddenFill>
+            </a:ext>
+          </a:extLst>
+        </p:spPr>
+      </p:pic>
+    </p:spTree>
+    <p:extLst>
+      <p:ext uri="{BB962C8B-B14F-4D97-AF65-F5344CB8AC3E}">
+        <p14:creationId xmlns:p14="http://schemas.microsoft.com/office/powerpoint/2010/main" val="1626715352"/>
+      </p:ext>
+    </p:extLst>
+  </p:cSld>
+  <p:clrMapOvr>
+    <a:masterClrMapping/>
+  </p:clrMapOvr>
+</p:sld>
+</file>
+
+<file path=ppt/slides/slide12.xml><?xml version="1.0" encoding="utf-8"?>
+<p:sld xmlns:a="http://schemas.openxmlformats.org/drawingml/2006/main" xmlns:r="http://schemas.openxmlformats.org/officeDocument/2006/relationships" xmlns:p="http://schemas.openxmlformats.org/presentationml/2006/main">
+  <p:cSld>
+    <p:spTree>
+      <p:nvGrpSpPr>
+        <p:cNvPr id="1" name=""/>
+        <p:cNvGrpSpPr/>
+        <p:nvPr/>
+      </p:nvGrpSpPr>
+      <p:grpSpPr>
+        <a:xfrm>
+          <a:off x="0" y="0"/>
+          <a:ext cx="0" cy="0"/>
+          <a:chOff x="0" y="0"/>
+          <a:chExt cx="0" cy="0"/>
+        </a:xfrm>
+      </p:grpSpPr>
+      <p:sp>
+        <p:nvSpPr>
+          <p:cNvPr id="2" name="Title 1"/>
+          <p:cNvSpPr>
+            <a:spLocks noGrp="1"/>
+          </p:cNvSpPr>
+          <p:nvPr>
+            <p:ph type="title"/>
+          </p:nvPr>
+        </p:nvSpPr>
+        <p:spPr/>
+        <p:txBody>
+          <a:bodyPr/>
+          <a:lstStyle/>
+          <a:p>
+            <a:r>
+              <a:rPr lang="en-US" dirty="0" smtClean="0"/>
               <a:t>Logic scores </a:t>
             </a:r>
             <a:r>
@@ -4024,6 +4886,359 @@
           <a:p>
             <a:r>
               <a:rPr lang="en-US" dirty="0" smtClean="0"/>
+              <a:t>Analysis Premises</a:t>
+            </a:r>
+            <a:endParaRPr lang="en-US" dirty="0"/>
+          </a:p>
+        </p:txBody>
+      </p:sp>
+      <p:sp>
+        <p:nvSpPr>
+          <p:cNvPr id="3" name="Content Placeholder 2"/>
+          <p:cNvSpPr>
+            <a:spLocks noGrp="1"/>
+          </p:cNvSpPr>
+          <p:nvPr>
+            <p:ph idx="1"/>
+          </p:nvPr>
+        </p:nvSpPr>
+        <p:spPr/>
+        <p:txBody>
+          <a:bodyPr/>
+          <a:lstStyle/>
+          <a:p>
+            <a:r>
+              <a:rPr lang="en-US" dirty="0" smtClean="0"/>
+              <a:t>A comparison needs a metric, when there are more than two points in comparison.</a:t>
+            </a:r>
+          </a:p>
+          <a:p>
+            <a:pPr marL="0" indent="0">
+              <a:buNone/>
+            </a:pPr>
+            <a:endParaRPr lang="en-US" dirty="0"/>
+          </a:p>
+        </p:txBody>
+      </p:sp>
+      <p:pic>
+        <p:nvPicPr>
+          <p:cNvPr id="1026" name="Picture 2"/>
+          <p:cNvPicPr>
+            <a:picLocks noChangeAspect="1" noChangeArrowheads="1"/>
+          </p:cNvPicPr>
+          <p:nvPr/>
+        </p:nvPicPr>
+        <p:blipFill>
+          <a:blip r:embed="rId2">
+            <a:extLst>
+              <a:ext uri="{28A0092B-C50C-407E-A947-70E740481C1C}">
+                <a14:useLocalDpi xmlns:a14="http://schemas.microsoft.com/office/drawing/2010/main" val="0"/>
+              </a:ext>
+            </a:extLst>
+          </a:blip>
+          <a:srcRect/>
+          <a:stretch>
+            <a:fillRect/>
+          </a:stretch>
+        </p:blipFill>
+        <p:spPr bwMode="auto">
+          <a:xfrm>
+            <a:off x="1115616" y="2824039"/>
+            <a:ext cx="6696743" cy="3128083"/>
+          </a:xfrm>
+          <a:prstGeom prst="rect">
+            <a:avLst/>
+          </a:prstGeom>
+          <a:noFill/>
+          <a:ln>
+            <a:noFill/>
+          </a:ln>
+          <a:extLst>
+            <a:ext uri="{909E8E84-426E-40DD-AFC4-6F175D3DCCD1}">
+              <a14:hiddenFill xmlns:a14="http://schemas.microsoft.com/office/drawing/2010/main">
+                <a:solidFill>
+                  <a:schemeClr val="accent1"/>
+                </a:solidFill>
+              </a14:hiddenFill>
+            </a:ext>
+            <a:ext uri="{91240B29-F687-4F45-9708-019B960494DF}">
+              <a14:hiddenLine xmlns:a14="http://schemas.microsoft.com/office/drawing/2010/main" w="9525">
+                <a:solidFill>
+                  <a:schemeClr val="tx1"/>
+                </a:solidFill>
+                <a:miter lim="800000"/>
+                <a:headEnd/>
+                <a:tailEnd/>
+              </a14:hiddenLine>
+            </a:ext>
+          </a:extLst>
+        </p:spPr>
+      </p:pic>
+    </p:spTree>
+    <p:extLst>
+      <p:ext uri="{BB962C8B-B14F-4D97-AF65-F5344CB8AC3E}">
+        <p14:creationId xmlns:p14="http://schemas.microsoft.com/office/powerpoint/2010/main" val="2675551394"/>
+      </p:ext>
+    </p:extLst>
+  </p:cSld>
+  <p:clrMapOvr>
+    <a:masterClrMapping/>
+  </p:clrMapOvr>
+</p:sld>
+</file>
+
+<file path=ppt/slides/slide3.xml><?xml version="1.0" encoding="utf-8"?>
+<p:sld xmlns:a="http://schemas.openxmlformats.org/drawingml/2006/main" xmlns:r="http://schemas.openxmlformats.org/officeDocument/2006/relationships" xmlns:p="http://schemas.openxmlformats.org/presentationml/2006/main">
+  <p:cSld>
+    <p:spTree>
+      <p:nvGrpSpPr>
+        <p:cNvPr id="1" name=""/>
+        <p:cNvGrpSpPr/>
+        <p:nvPr/>
+      </p:nvGrpSpPr>
+      <p:grpSpPr>
+        <a:xfrm>
+          <a:off x="0" y="0"/>
+          <a:ext cx="0" cy="0"/>
+          <a:chOff x="0" y="0"/>
+          <a:chExt cx="0" cy="0"/>
+        </a:xfrm>
+      </p:grpSpPr>
+      <p:sp>
+        <p:nvSpPr>
+          <p:cNvPr id="2" name="Title 1"/>
+          <p:cNvSpPr>
+            <a:spLocks noGrp="1"/>
+          </p:cNvSpPr>
+          <p:nvPr>
+            <p:ph type="title"/>
+          </p:nvPr>
+        </p:nvSpPr>
+        <p:spPr/>
+        <p:txBody>
+          <a:bodyPr/>
+          <a:lstStyle/>
+          <a:p>
+            <a:r>
+              <a:rPr lang="en-US" dirty="0" smtClean="0"/>
+              <a:t>Stable or Stabilized Data</a:t>
+            </a:r>
+            <a:endParaRPr lang="en-US" dirty="0"/>
+          </a:p>
+        </p:txBody>
+      </p:sp>
+      <p:pic>
+        <p:nvPicPr>
+          <p:cNvPr id="2050" name="Picture 2"/>
+          <p:cNvPicPr>
+            <a:picLocks noGrp="1" noChangeAspect="1" noChangeArrowheads="1"/>
+          </p:cNvPicPr>
+          <p:nvPr>
+            <p:ph idx="1"/>
+          </p:nvPr>
+        </p:nvPicPr>
+        <p:blipFill>
+          <a:blip r:embed="rId2">
+            <a:extLst>
+              <a:ext uri="{28A0092B-C50C-407E-A947-70E740481C1C}">
+                <a14:useLocalDpi xmlns:a14="http://schemas.microsoft.com/office/drawing/2010/main" val="0"/>
+              </a:ext>
+            </a:extLst>
+          </a:blip>
+          <a:srcRect/>
+          <a:stretch>
+            <a:fillRect/>
+          </a:stretch>
+        </p:blipFill>
+        <p:spPr bwMode="auto">
+          <a:xfrm>
+            <a:off x="1763688" y="1772816"/>
+            <a:ext cx="5565775" cy="4174331"/>
+          </a:xfrm>
+          <a:prstGeom prst="rect">
+            <a:avLst/>
+          </a:prstGeom>
+          <a:noFill/>
+          <a:ln>
+            <a:noFill/>
+          </a:ln>
+          <a:extLst>
+            <a:ext uri="{909E8E84-426E-40DD-AFC4-6F175D3DCCD1}">
+              <a14:hiddenFill xmlns:a14="http://schemas.microsoft.com/office/drawing/2010/main">
+                <a:solidFill>
+                  <a:schemeClr val="accent1"/>
+                </a:solidFill>
+              </a14:hiddenFill>
+            </a:ext>
+            <a:ext uri="{91240B29-F687-4F45-9708-019B960494DF}">
+              <a14:hiddenLine xmlns:a14="http://schemas.microsoft.com/office/drawing/2010/main" w="9525">
+                <a:solidFill>
+                  <a:schemeClr val="tx1"/>
+                </a:solidFill>
+                <a:miter lim="800000"/>
+                <a:headEnd/>
+                <a:tailEnd/>
+              </a14:hiddenLine>
+            </a:ext>
+          </a:extLst>
+        </p:spPr>
+      </p:pic>
+    </p:spTree>
+    <p:extLst>
+      <p:ext uri="{BB962C8B-B14F-4D97-AF65-F5344CB8AC3E}">
+        <p14:creationId xmlns:p14="http://schemas.microsoft.com/office/powerpoint/2010/main" val="941556985"/>
+      </p:ext>
+    </p:extLst>
+  </p:cSld>
+  <p:clrMapOvr>
+    <a:masterClrMapping/>
+  </p:clrMapOvr>
+</p:sld>
+</file>
+
+<file path=ppt/slides/slide4.xml><?xml version="1.0" encoding="utf-8"?>
+<p:sld xmlns:a="http://schemas.openxmlformats.org/drawingml/2006/main" xmlns:r="http://schemas.openxmlformats.org/officeDocument/2006/relationships" xmlns:p="http://schemas.openxmlformats.org/presentationml/2006/main">
+  <p:cSld>
+    <p:spTree>
+      <p:nvGrpSpPr>
+        <p:cNvPr id="1" name=""/>
+        <p:cNvGrpSpPr/>
+        <p:nvPr/>
+      </p:nvGrpSpPr>
+      <p:grpSpPr>
+        <a:xfrm>
+          <a:off x="0" y="0"/>
+          <a:ext cx="0" cy="0"/>
+          <a:chOff x="0" y="0"/>
+          <a:chExt cx="0" cy="0"/>
+        </a:xfrm>
+      </p:grpSpPr>
+      <p:sp>
+        <p:nvSpPr>
+          <p:cNvPr id="2" name="Title 1"/>
+          <p:cNvSpPr>
+            <a:spLocks noGrp="1"/>
+          </p:cNvSpPr>
+          <p:nvPr>
+            <p:ph type="title"/>
+          </p:nvPr>
+        </p:nvSpPr>
+        <p:spPr/>
+        <p:txBody>
+          <a:bodyPr/>
+          <a:lstStyle/>
+          <a:p>
+            <a:r>
+              <a:rPr lang="en-US" dirty="0" smtClean="0"/>
+              <a:t>Somebody is Somebody</a:t>
+            </a:r>
+            <a:endParaRPr lang="en-US" dirty="0"/>
+          </a:p>
+        </p:txBody>
+      </p:sp>
+      <p:pic>
+        <p:nvPicPr>
+          <p:cNvPr id="3074" name="Picture 2"/>
+          <p:cNvPicPr>
+            <a:picLocks noGrp="1" noChangeAspect="1" noChangeArrowheads="1"/>
+          </p:cNvPicPr>
+          <p:nvPr>
+            <p:ph idx="1"/>
+          </p:nvPr>
+        </p:nvPicPr>
+        <p:blipFill>
+          <a:blip r:embed="rId2">
+            <a:extLst>
+              <a:ext uri="{28A0092B-C50C-407E-A947-70E740481C1C}">
+                <a14:useLocalDpi xmlns:a14="http://schemas.microsoft.com/office/drawing/2010/main" val="0"/>
+              </a:ext>
+            </a:extLst>
+          </a:blip>
+          <a:srcRect/>
+          <a:stretch>
+            <a:fillRect/>
+          </a:stretch>
+        </p:blipFill>
+        <p:spPr bwMode="auto">
+          <a:xfrm>
+            <a:off x="103285" y="1772816"/>
+            <a:ext cx="8928308" cy="4176464"/>
+          </a:xfrm>
+          <a:prstGeom prst="rect">
+            <a:avLst/>
+          </a:prstGeom>
+          <a:noFill/>
+          <a:ln>
+            <a:noFill/>
+          </a:ln>
+          <a:extLst>
+            <a:ext uri="{909E8E84-426E-40DD-AFC4-6F175D3DCCD1}">
+              <a14:hiddenFill xmlns:a14="http://schemas.microsoft.com/office/drawing/2010/main">
+                <a:solidFill>
+                  <a:schemeClr val="accent1"/>
+                </a:solidFill>
+              </a14:hiddenFill>
+            </a:ext>
+            <a:ext uri="{91240B29-F687-4F45-9708-019B960494DF}">
+              <a14:hiddenLine xmlns:a14="http://schemas.microsoft.com/office/drawing/2010/main" w="9525">
+                <a:solidFill>
+                  <a:schemeClr val="tx1"/>
+                </a:solidFill>
+                <a:miter lim="800000"/>
+                <a:headEnd/>
+                <a:tailEnd/>
+              </a14:hiddenLine>
+            </a:ext>
+          </a:extLst>
+        </p:spPr>
+      </p:pic>
+    </p:spTree>
+    <p:extLst>
+      <p:ext uri="{BB962C8B-B14F-4D97-AF65-F5344CB8AC3E}">
+        <p14:creationId xmlns:p14="http://schemas.microsoft.com/office/powerpoint/2010/main" val="1469102256"/>
+      </p:ext>
+    </p:extLst>
+  </p:cSld>
+  <p:clrMapOvr>
+    <a:masterClrMapping/>
+  </p:clrMapOvr>
+</p:sld>
+</file>
+
+<file path=ppt/slides/slide5.xml><?xml version="1.0" encoding="utf-8"?>
+<p:sld xmlns:a="http://schemas.openxmlformats.org/drawingml/2006/main" xmlns:r="http://schemas.openxmlformats.org/officeDocument/2006/relationships" xmlns:p="http://schemas.openxmlformats.org/presentationml/2006/main">
+  <p:cSld>
+    <p:spTree>
+      <p:nvGrpSpPr>
+        <p:cNvPr id="1" name=""/>
+        <p:cNvGrpSpPr/>
+        <p:nvPr/>
+      </p:nvGrpSpPr>
+      <p:grpSpPr>
+        <a:xfrm>
+          <a:off x="0" y="0"/>
+          <a:ext cx="0" cy="0"/>
+          <a:chOff x="0" y="0"/>
+          <a:chExt cx="0" cy="0"/>
+        </a:xfrm>
+      </p:grpSpPr>
+      <p:sp>
+        <p:nvSpPr>
+          <p:cNvPr id="2" name="Title 1"/>
+          <p:cNvSpPr>
+            <a:spLocks noGrp="1"/>
+          </p:cNvSpPr>
+          <p:nvPr>
+            <p:ph type="title"/>
+          </p:nvPr>
+        </p:nvSpPr>
+        <p:spPr/>
+        <p:txBody>
+          <a:bodyPr/>
+          <a:lstStyle/>
+          <a:p>
+            <a:r>
+              <a:rPr lang="en-US" dirty="0" smtClean="0"/>
               <a:t>This is about plays’ style</a:t>
             </a:r>
             <a:endParaRPr lang="en-US" dirty="0"/>
@@ -4110,7 +5325,15 @@
           <a:p>
             <a:r>
               <a:rPr lang="en-US" dirty="0" smtClean="0"/>
-              <a:t>This is not about if the play is greedy or not, it’s about…</a:t>
+              <a:t>This is not about if the </a:t>
+            </a:r>
+            <a:r>
+              <a:rPr lang="en-US" dirty="0" smtClean="0"/>
+              <a:t>player </a:t>
+            </a:r>
+            <a:r>
+              <a:rPr lang="en-US" dirty="0" smtClean="0"/>
+              <a:t>is greedy or not, it’s about…</a:t>
             </a:r>
             <a:endParaRPr lang="en-US" dirty="0"/>
           </a:p>
@@ -4129,7 +5352,7 @@
 </p:sld>
 </file>
 
-<file path=ppt/slides/slide3.xml><?xml version="1.0" encoding="utf-8"?>
+<file path=ppt/slides/slide6.xml><?xml version="1.0" encoding="utf-8"?>
 <p:sld xmlns:a="http://schemas.openxmlformats.org/drawingml/2006/main" xmlns:r="http://schemas.openxmlformats.org/officeDocument/2006/relationships" xmlns:p="http://schemas.openxmlformats.org/presentationml/2006/main">
   <p:cSld>
     <p:spTree>
@@ -4240,265 +5463,6 @@
 </p:sld>
 </file>
 
-<file path=ppt/slides/slide4.xml><?xml version="1.0" encoding="utf-8"?>
-<p:sld xmlns:a="http://schemas.openxmlformats.org/drawingml/2006/main" xmlns:r="http://schemas.openxmlformats.org/officeDocument/2006/relationships" xmlns:p="http://schemas.openxmlformats.org/presentationml/2006/main">
-  <p:cSld>
-    <p:spTree>
-      <p:nvGrpSpPr>
-        <p:cNvPr id="1" name=""/>
-        <p:cNvGrpSpPr/>
-        <p:nvPr/>
-      </p:nvGrpSpPr>
-      <p:grpSpPr>
-        <a:xfrm>
-          <a:off x="0" y="0"/>
-          <a:ext cx="0" cy="0"/>
-          <a:chOff x="0" y="0"/>
-          <a:chExt cx="0" cy="0"/>
-        </a:xfrm>
-      </p:grpSpPr>
-      <p:sp>
-        <p:nvSpPr>
-          <p:cNvPr id="2" name="Title 1"/>
-          <p:cNvSpPr>
-            <a:spLocks noGrp="1"/>
-          </p:cNvSpPr>
-          <p:nvPr>
-            <p:ph type="title"/>
-          </p:nvPr>
-        </p:nvSpPr>
-        <p:spPr/>
-        <p:txBody>
-          <a:bodyPr/>
-          <a:lstStyle/>
-          <a:p>
-            <a:r>
-              <a:rPr lang="en-US" dirty="0" smtClean="0"/>
-              <a:t>About the landscape</a:t>
-            </a:r>
-            <a:endParaRPr lang="en-US" dirty="0"/>
-          </a:p>
-        </p:txBody>
-      </p:sp>
-      <p:sp>
-        <p:nvSpPr>
-          <p:cNvPr id="3" name="Content Placeholder 2"/>
-          <p:cNvSpPr>
-            <a:spLocks noGrp="1"/>
-          </p:cNvSpPr>
-          <p:nvPr>
-            <p:ph idx="1"/>
-          </p:nvPr>
-        </p:nvSpPr>
-        <p:spPr/>
-        <p:txBody>
-          <a:bodyPr/>
-          <a:lstStyle/>
-          <a:p>
-            <a:r>
-              <a:rPr lang="en-US" dirty="0" smtClean="0"/>
-              <a:t>It’s possible that the way they play the game is the combination of their style and logic reasoning, because humans are emotional and logical beings.</a:t>
-            </a:r>
-          </a:p>
-          <a:p>
-            <a:r>
-              <a:rPr lang="en-US" dirty="0" smtClean="0"/>
-              <a:t>Though, there are tons of data available, the space of rounds played is almost infinite…We can’t have all the data points.</a:t>
-            </a:r>
-            <a:endParaRPr lang="en-US" dirty="0"/>
-          </a:p>
-        </p:txBody>
-      </p:sp>
-    </p:spTree>
-    <p:extLst>
-      <p:ext uri="{BB962C8B-B14F-4D97-AF65-F5344CB8AC3E}">
-        <p14:creationId xmlns:p14="http://schemas.microsoft.com/office/powerpoint/2010/main" val="3810621282"/>
-      </p:ext>
-    </p:extLst>
-  </p:cSld>
-  <p:clrMapOvr>
-    <a:masterClrMapping/>
-  </p:clrMapOvr>
-</p:sld>
-</file>
-
-<file path=ppt/slides/slide5.xml><?xml version="1.0" encoding="utf-8"?>
-<p:sld xmlns:a="http://schemas.openxmlformats.org/drawingml/2006/main" xmlns:r="http://schemas.openxmlformats.org/officeDocument/2006/relationships" xmlns:p="http://schemas.openxmlformats.org/presentationml/2006/main">
-  <p:cSld>
-    <p:spTree>
-      <p:nvGrpSpPr>
-        <p:cNvPr id="1" name=""/>
-        <p:cNvGrpSpPr/>
-        <p:nvPr/>
-      </p:nvGrpSpPr>
-      <p:grpSpPr>
-        <a:xfrm>
-          <a:off x="0" y="0"/>
-          <a:ext cx="0" cy="0"/>
-          <a:chOff x="0" y="0"/>
-          <a:chExt cx="0" cy="0"/>
-        </a:xfrm>
-      </p:grpSpPr>
-      <p:sp>
-        <p:nvSpPr>
-          <p:cNvPr id="2" name="Title 1"/>
-          <p:cNvSpPr>
-            <a:spLocks noGrp="1"/>
-          </p:cNvSpPr>
-          <p:nvPr>
-            <p:ph type="title"/>
-          </p:nvPr>
-        </p:nvSpPr>
-        <p:spPr/>
-        <p:txBody>
-          <a:bodyPr/>
-          <a:lstStyle/>
-          <a:p>
-            <a:r>
-              <a:rPr lang="en-US" dirty="0" smtClean="0"/>
-              <a:t>Well, challenges ahead</a:t>
-            </a:r>
-            <a:endParaRPr lang="en-US" dirty="0"/>
-          </a:p>
-        </p:txBody>
-      </p:sp>
-      <p:sp>
-        <p:nvSpPr>
-          <p:cNvPr id="3" name="Content Placeholder 2"/>
-          <p:cNvSpPr>
-            <a:spLocks noGrp="1"/>
-          </p:cNvSpPr>
-          <p:nvPr>
-            <p:ph idx="1"/>
-          </p:nvPr>
-        </p:nvSpPr>
-        <p:spPr/>
-        <p:txBody>
-          <a:bodyPr/>
-          <a:lstStyle/>
-          <a:p>
-            <a:r>
-              <a:rPr lang="en-US" dirty="0" smtClean="0"/>
-              <a:t>Humans interact with each other, humans bluff…This means that even if we have the same data point we expect to see different responses.</a:t>
-            </a:r>
-          </a:p>
-          <a:p>
-            <a:r>
-              <a:rPr lang="en-US" dirty="0" smtClean="0"/>
-              <a:t>Possible combinations of cards*all players decisions-&gt;the whole space is overwhelmingly huge</a:t>
-            </a:r>
-          </a:p>
-          <a:p>
-            <a:pPr marL="0" indent="0">
-              <a:buNone/>
-            </a:pPr>
-            <a:endParaRPr lang="en-US" dirty="0"/>
-          </a:p>
-        </p:txBody>
-      </p:sp>
-    </p:spTree>
-    <p:extLst>
-      <p:ext uri="{BB962C8B-B14F-4D97-AF65-F5344CB8AC3E}">
-        <p14:creationId xmlns:p14="http://schemas.microsoft.com/office/powerpoint/2010/main" val="388141902"/>
-      </p:ext>
-    </p:extLst>
-  </p:cSld>
-  <p:clrMapOvr>
-    <a:masterClrMapping/>
-  </p:clrMapOvr>
-</p:sld>
-</file>
-
-<file path=ppt/slides/slide6.xml><?xml version="1.0" encoding="utf-8"?>
-<p:sld xmlns:a="http://schemas.openxmlformats.org/drawingml/2006/main" xmlns:r="http://schemas.openxmlformats.org/officeDocument/2006/relationships" xmlns:p="http://schemas.openxmlformats.org/presentationml/2006/main">
-  <p:cSld>
-    <p:spTree>
-      <p:nvGrpSpPr>
-        <p:cNvPr id="1" name=""/>
-        <p:cNvGrpSpPr/>
-        <p:nvPr/>
-      </p:nvGrpSpPr>
-      <p:grpSpPr>
-        <a:xfrm>
-          <a:off x="0" y="0"/>
-          <a:ext cx="0" cy="0"/>
-          <a:chOff x="0" y="0"/>
-          <a:chExt cx="0" cy="0"/>
-        </a:xfrm>
-      </p:grpSpPr>
-      <p:sp>
-        <p:nvSpPr>
-          <p:cNvPr id="2" name="Title 1"/>
-          <p:cNvSpPr>
-            <a:spLocks noGrp="1"/>
-          </p:cNvSpPr>
-          <p:nvPr>
-            <p:ph type="title"/>
-          </p:nvPr>
-        </p:nvSpPr>
-        <p:spPr/>
-        <p:txBody>
-          <a:bodyPr>
-            <a:normAutofit fontScale="90000"/>
-          </a:bodyPr>
-          <a:lstStyle/>
-          <a:p>
-            <a:r>
-              <a:rPr lang="en-US" dirty="0" smtClean="0"/>
-              <a:t>But, potential benefits are tempting</a:t>
-            </a:r>
-            <a:endParaRPr lang="en-US" dirty="0"/>
-          </a:p>
-        </p:txBody>
-      </p:sp>
-      <p:sp>
-        <p:nvSpPr>
-          <p:cNvPr id="3" name="Content Placeholder 2"/>
-          <p:cNvSpPr>
-            <a:spLocks noGrp="1"/>
-          </p:cNvSpPr>
-          <p:nvPr>
-            <p:ph idx="1"/>
-          </p:nvPr>
-        </p:nvSpPr>
-        <p:spPr/>
-        <p:txBody>
-          <a:bodyPr/>
-          <a:lstStyle/>
-          <a:p>
-            <a:r>
-              <a:rPr lang="en-US" dirty="0" smtClean="0"/>
-              <a:t>Gaming can be representative of human social behaviors.</a:t>
-            </a:r>
-          </a:p>
-          <a:p>
-            <a:r>
-              <a:rPr lang="en-US" dirty="0" smtClean="0"/>
-              <a:t>One more aspect about players-&gt;practically useful</a:t>
-            </a:r>
-          </a:p>
-          <a:p>
-            <a:r>
-              <a:rPr lang="en-US" dirty="0" smtClean="0"/>
-              <a:t>Understanding and hence making use of a messy data set is very helpful.</a:t>
-            </a:r>
-            <a:endParaRPr lang="en-US" dirty="0"/>
-          </a:p>
-        </p:txBody>
-      </p:sp>
-    </p:spTree>
-    <p:extLst>
-      <p:ext uri="{BB962C8B-B14F-4D97-AF65-F5344CB8AC3E}">
-        <p14:creationId xmlns:p14="http://schemas.microsoft.com/office/powerpoint/2010/main" val="2013834461"/>
-      </p:ext>
-    </p:extLst>
-  </p:cSld>
-  <p:clrMapOvr>
-    <a:masterClrMapping/>
-  </p:clrMapOvr>
-</p:sld>
-</file>
-
 <file path=ppt/slides/slide7.xml><?xml version="1.0" encoding="utf-8"?>
 <p:sld xmlns:a="http://schemas.openxmlformats.org/drawingml/2006/main" xmlns:r="http://schemas.openxmlformats.org/officeDocument/2006/relationships" xmlns:p="http://schemas.openxmlformats.org/presentationml/2006/main">
   <p:cSld>
@@ -4533,7 +5497,7 @@
           <a:p>
             <a:r>
               <a:rPr lang="en-US" dirty="0" smtClean="0"/>
-              <a:t>Possible approaches</a:t>
+              <a:t>About the landscape</a:t>
             </a:r>
             <a:endParaRPr lang="en-US" dirty="0"/>
           </a:p>
@@ -4556,23 +5520,13 @@
           <a:p>
             <a:r>
               <a:rPr lang="en-US" dirty="0" smtClean="0"/>
-              <a:t>Using the data of the beginning stage to limit human interaction and dimensionality. </a:t>
+              <a:t>It’s possible that the way they play the game is the combination of their style and logic reasoning, because humans are emotional and logical beings.</a:t>
             </a:r>
           </a:p>
           <a:p>
             <a:r>
               <a:rPr lang="en-US" dirty="0" smtClean="0"/>
-              <a:t>The strength of the first two cards dealt is kind of fixed logically.</a:t>
-            </a:r>
-          </a:p>
-          <a:p>
-            <a:r>
-              <a:rPr lang="en-US" dirty="0" err="1" smtClean="0"/>
-              <a:t>Hausdorff</a:t>
-            </a:r>
-            <a:r>
-              <a:rPr lang="en-US" dirty="0" smtClean="0"/>
-              <a:t> distance can be a summary of how similar players are to each other, if they have a relatively stable and tangible pattern.</a:t>
+              <a:t>Though, there are tons of data available, the space of rounds played is almost infinite…We can’t have all the data points.</a:t>
             </a:r>
             <a:endParaRPr lang="en-US" dirty="0"/>
           </a:p>
@@ -4581,7 +5535,7 @@
     </p:spTree>
     <p:extLst>
       <p:ext uri="{BB962C8B-B14F-4D97-AF65-F5344CB8AC3E}">
-        <p14:creationId xmlns:p14="http://schemas.microsoft.com/office/powerpoint/2010/main" val="1273823457"/>
+        <p14:creationId xmlns:p14="http://schemas.microsoft.com/office/powerpoint/2010/main" val="3810621282"/>
       </p:ext>
     </p:extLst>
   </p:cSld>
@@ -4620,12 +5574,14 @@
         </p:nvSpPr>
         <p:spPr/>
         <p:txBody>
-          <a:bodyPr/>
+          <a:bodyPr>
+            <a:normAutofit fontScale="90000"/>
+          </a:bodyPr>
           <a:lstStyle/>
           <a:p>
             <a:r>
               <a:rPr lang="en-US" dirty="0" smtClean="0"/>
-              <a:t>Sets A and B from two players</a:t>
+              <a:t>But, potential benefits are tempting</a:t>
             </a:r>
             <a:endParaRPr lang="en-US" dirty="0"/>
           </a:p>
@@ -4646,372 +5602,30 @@
           <a:bodyPr/>
           <a:lstStyle/>
           <a:p>
+            <a:r>
+              <a:rPr lang="en-US" dirty="0" smtClean="0"/>
+              <a:t>Gaming can be representative of human social behaviors.</a:t>
+            </a:r>
+          </a:p>
+          <a:p>
+            <a:r>
+              <a:rPr lang="en-US" dirty="0" smtClean="0"/>
+              <a:t>One more aspect about players-&gt;practically useful</a:t>
+            </a:r>
+          </a:p>
+          <a:p>
+            <a:r>
+              <a:rPr lang="en-US" dirty="0" smtClean="0"/>
+              <a:t>Understanding and hence making use of a messy data set is very helpful.</a:t>
+            </a:r>
             <a:endParaRPr lang="en-US" dirty="0"/>
           </a:p>
         </p:txBody>
       </p:sp>
-      <p:pic>
-        <p:nvPicPr>
-          <p:cNvPr id="4098" name="Picture 2" descr="C:\Users\Tao\Google Drive\cs591\CSCI-491-Project\figures\A0mR.png"/>
-          <p:cNvPicPr>
-            <a:picLocks noChangeAspect="1" noChangeArrowheads="1"/>
-          </p:cNvPicPr>
-          <p:nvPr/>
-        </p:nvPicPr>
-        <p:blipFill>
-          <a:blip r:embed="rId2" cstate="print">
-            <a:extLst>
-              <a:ext uri="{28A0092B-C50C-407E-A947-70E740481C1C}">
-                <a14:useLocalDpi xmlns:a14="http://schemas.microsoft.com/office/drawing/2010/main" val="0"/>
-              </a:ext>
-            </a:extLst>
-          </a:blip>
-          <a:srcRect/>
-          <a:stretch>
-            <a:fillRect/>
-          </a:stretch>
-        </p:blipFill>
-        <p:spPr bwMode="auto">
-          <a:xfrm>
-            <a:off x="467544" y="1556792"/>
-            <a:ext cx="2232248" cy="1674585"/>
-          </a:xfrm>
-          <a:prstGeom prst="rect">
-            <a:avLst/>
-          </a:prstGeom>
-          <a:noFill/>
-          <a:extLst>
-            <a:ext uri="{909E8E84-426E-40DD-AFC4-6F175D3DCCD1}">
-              <a14:hiddenFill xmlns:a14="http://schemas.microsoft.com/office/drawing/2010/main">
-                <a:solidFill>
-                  <a:srgbClr val="FFFFFF"/>
-                </a:solidFill>
-              </a14:hiddenFill>
-            </a:ext>
-          </a:extLst>
-        </p:spPr>
-      </p:pic>
-      <p:pic>
-        <p:nvPicPr>
-          <p:cNvPr id="4099" name="Picture 3" descr="C:\Users\Tao\Google Drive\cs591\CSCI-491-Project\figures\A0mR1.png"/>
-          <p:cNvPicPr>
-            <a:picLocks noChangeAspect="1" noChangeArrowheads="1"/>
-          </p:cNvPicPr>
-          <p:nvPr/>
-        </p:nvPicPr>
-        <p:blipFill>
-          <a:blip r:embed="rId3" cstate="print">
-            <a:extLst>
-              <a:ext uri="{28A0092B-C50C-407E-A947-70E740481C1C}">
-                <a14:useLocalDpi xmlns:a14="http://schemas.microsoft.com/office/drawing/2010/main" val="0"/>
-              </a:ext>
-            </a:extLst>
-          </a:blip>
-          <a:srcRect/>
-          <a:stretch>
-            <a:fillRect/>
-          </a:stretch>
-        </p:blipFill>
-        <p:spPr bwMode="auto">
-          <a:xfrm>
-            <a:off x="683568" y="3231377"/>
-            <a:ext cx="1991215" cy="1493767"/>
-          </a:xfrm>
-          <a:prstGeom prst="rect">
-            <a:avLst/>
-          </a:prstGeom>
-          <a:noFill/>
-          <a:extLst>
-            <a:ext uri="{909E8E84-426E-40DD-AFC4-6F175D3DCCD1}">
-              <a14:hiddenFill xmlns:a14="http://schemas.microsoft.com/office/drawing/2010/main">
-                <a:solidFill>
-                  <a:srgbClr val="FFFFFF"/>
-                </a:solidFill>
-              </a14:hiddenFill>
-            </a:ext>
-          </a:extLst>
-        </p:spPr>
-      </p:pic>
-      <p:pic>
-        <p:nvPicPr>
-          <p:cNvPr id="4100" name="Picture 4" descr="C:\Users\Tao\Google Drive\cs591\CSCI-491-Project\figures\B0mR.png"/>
-          <p:cNvPicPr>
-            <a:picLocks noChangeAspect="1" noChangeArrowheads="1"/>
-          </p:cNvPicPr>
-          <p:nvPr/>
-        </p:nvPicPr>
-        <p:blipFill>
-          <a:blip r:embed="rId4" cstate="print">
-            <a:extLst>
-              <a:ext uri="{28A0092B-C50C-407E-A947-70E740481C1C}">
-                <a14:useLocalDpi xmlns:a14="http://schemas.microsoft.com/office/drawing/2010/main" val="0"/>
-              </a:ext>
-            </a:extLst>
-          </a:blip>
-          <a:srcRect/>
-          <a:stretch>
-            <a:fillRect/>
-          </a:stretch>
-        </p:blipFill>
-        <p:spPr bwMode="auto">
-          <a:xfrm>
-            <a:off x="2699793" y="1556792"/>
-            <a:ext cx="2088232" cy="1566547"/>
-          </a:xfrm>
-          <a:prstGeom prst="rect">
-            <a:avLst/>
-          </a:prstGeom>
-          <a:noFill/>
-          <a:extLst>
-            <a:ext uri="{909E8E84-426E-40DD-AFC4-6F175D3DCCD1}">
-              <a14:hiddenFill xmlns:a14="http://schemas.microsoft.com/office/drawing/2010/main">
-                <a:solidFill>
-                  <a:srgbClr val="FFFFFF"/>
-                </a:solidFill>
-              </a14:hiddenFill>
-            </a:ext>
-          </a:extLst>
-        </p:spPr>
-      </p:pic>
-      <p:pic>
-        <p:nvPicPr>
-          <p:cNvPr id="4101" name="Picture 5" descr="C:\Users\Tao\Google Drive\cs591\CSCI-491-Project\figures\B0mR1.png"/>
-          <p:cNvPicPr>
-            <a:picLocks noChangeAspect="1" noChangeArrowheads="1"/>
-          </p:cNvPicPr>
-          <p:nvPr/>
-        </p:nvPicPr>
-        <p:blipFill>
-          <a:blip r:embed="rId5" cstate="print">
-            <a:extLst>
-              <a:ext uri="{28A0092B-C50C-407E-A947-70E740481C1C}">
-                <a14:useLocalDpi xmlns:a14="http://schemas.microsoft.com/office/drawing/2010/main" val="0"/>
-              </a:ext>
-            </a:extLst>
-          </a:blip>
-          <a:srcRect/>
-          <a:stretch>
-            <a:fillRect/>
-          </a:stretch>
-        </p:blipFill>
-        <p:spPr bwMode="auto">
-          <a:xfrm>
-            <a:off x="2699793" y="3068961"/>
-            <a:ext cx="2304255" cy="1728603"/>
-          </a:xfrm>
-          <a:prstGeom prst="rect">
-            <a:avLst/>
-          </a:prstGeom>
-          <a:noFill/>
-          <a:extLst>
-            <a:ext uri="{909E8E84-426E-40DD-AFC4-6F175D3DCCD1}">
-              <a14:hiddenFill xmlns:a14="http://schemas.microsoft.com/office/drawing/2010/main">
-                <a:solidFill>
-                  <a:srgbClr val="FFFFFF"/>
-                </a:solidFill>
-              </a14:hiddenFill>
-            </a:ext>
-          </a:extLst>
-        </p:spPr>
-      </p:pic>
-      <p:sp>
-        <p:nvSpPr>
-          <p:cNvPr id="4" name="TextBox 3"/>
-          <p:cNvSpPr txBox="1"/>
-          <p:nvPr/>
-        </p:nvSpPr>
-        <p:spPr>
-          <a:xfrm>
-            <a:off x="971600" y="5085184"/>
-            <a:ext cx="7344816" cy="369332"/>
-          </a:xfrm>
-          <a:prstGeom prst="rect">
-            <a:avLst/>
-          </a:prstGeom>
-          <a:noFill/>
-        </p:spPr>
-        <p:txBody>
-          <a:bodyPr wrap="square" rtlCol="0">
-            <a:spAutoFit/>
-          </a:bodyPr>
-          <a:lstStyle/>
-          <a:p>
-            <a:r>
-              <a:rPr lang="en-US" dirty="0" smtClean="0"/>
-              <a:t>HD:2.5583 and 1.1667</a:t>
-            </a:r>
-            <a:endParaRPr lang="en-US" dirty="0"/>
-          </a:p>
-        </p:txBody>
-      </p:sp>
-      <p:pic>
-        <p:nvPicPr>
-          <p:cNvPr id="4102" name="Picture 6" descr="C:\Users\Tao\Google Drive\cs591\CSCI-491-Project\figures\ACDe.png"/>
-          <p:cNvPicPr>
-            <a:picLocks noChangeAspect="1" noChangeArrowheads="1"/>
-          </p:cNvPicPr>
-          <p:nvPr/>
-        </p:nvPicPr>
-        <p:blipFill>
-          <a:blip r:embed="rId6" cstate="print">
-            <a:extLst>
-              <a:ext uri="{28A0092B-C50C-407E-A947-70E740481C1C}">
-                <a14:useLocalDpi xmlns:a14="http://schemas.microsoft.com/office/drawing/2010/main" val="0"/>
-              </a:ext>
-            </a:extLst>
-          </a:blip>
-          <a:srcRect/>
-          <a:stretch>
-            <a:fillRect/>
-          </a:stretch>
-        </p:blipFill>
-        <p:spPr bwMode="auto">
-          <a:xfrm>
-            <a:off x="4625072" y="1487759"/>
-            <a:ext cx="2160240" cy="1620566"/>
-          </a:xfrm>
-          <a:prstGeom prst="rect">
-            <a:avLst/>
-          </a:prstGeom>
-          <a:noFill/>
-          <a:extLst>
-            <a:ext uri="{909E8E84-426E-40DD-AFC4-6F175D3DCCD1}">
-              <a14:hiddenFill xmlns:a14="http://schemas.microsoft.com/office/drawing/2010/main">
-                <a:solidFill>
-                  <a:srgbClr val="FFFFFF"/>
-                </a:solidFill>
-              </a14:hiddenFill>
-            </a:ext>
-          </a:extLst>
-        </p:spPr>
-      </p:pic>
-      <p:pic>
-        <p:nvPicPr>
-          <p:cNvPr id="4103" name="Picture 7" descr="C:\Users\Tao\Google Drive\cs591\CSCI-491-Project\figures\ACDe1.png"/>
-          <p:cNvPicPr>
-            <a:picLocks noChangeAspect="1" noChangeArrowheads="1"/>
-          </p:cNvPicPr>
-          <p:nvPr/>
-        </p:nvPicPr>
-        <p:blipFill>
-          <a:blip r:embed="rId7" cstate="print">
-            <a:extLst>
-              <a:ext uri="{28A0092B-C50C-407E-A947-70E740481C1C}">
-                <a14:useLocalDpi xmlns:a14="http://schemas.microsoft.com/office/drawing/2010/main" val="0"/>
-              </a:ext>
-            </a:extLst>
-          </a:blip>
-          <a:srcRect/>
-          <a:stretch>
-            <a:fillRect/>
-          </a:stretch>
-        </p:blipFill>
-        <p:spPr bwMode="auto">
-          <a:xfrm>
-            <a:off x="4775201" y="3108326"/>
-            <a:ext cx="1813023" cy="1360092"/>
-          </a:xfrm>
-          <a:prstGeom prst="rect">
-            <a:avLst/>
-          </a:prstGeom>
-          <a:noFill/>
-          <a:extLst>
-            <a:ext uri="{909E8E84-426E-40DD-AFC4-6F175D3DCCD1}">
-              <a14:hiddenFill xmlns:a14="http://schemas.microsoft.com/office/drawing/2010/main">
-                <a:solidFill>
-                  <a:srgbClr val="FFFFFF"/>
-                </a:solidFill>
-              </a14:hiddenFill>
-            </a:ext>
-          </a:extLst>
-        </p:spPr>
-      </p:pic>
-      <p:pic>
-        <p:nvPicPr>
-          <p:cNvPr id="4104" name="Picture 8" descr="C:\Users\Tao\Google Drive\cs591\CSCI-491-Project\figures\BCDe.png"/>
-          <p:cNvPicPr>
-            <a:picLocks noChangeAspect="1" noChangeArrowheads="1"/>
-          </p:cNvPicPr>
-          <p:nvPr/>
-        </p:nvPicPr>
-        <p:blipFill>
-          <a:blip r:embed="rId8" cstate="print">
-            <a:extLst>
-              <a:ext uri="{28A0092B-C50C-407E-A947-70E740481C1C}">
-                <a14:useLocalDpi xmlns:a14="http://schemas.microsoft.com/office/drawing/2010/main" val="0"/>
-              </a:ext>
-            </a:extLst>
-          </a:blip>
-          <a:srcRect/>
-          <a:stretch>
-            <a:fillRect/>
-          </a:stretch>
-        </p:blipFill>
-        <p:spPr bwMode="auto">
-          <a:xfrm>
-            <a:off x="6785312" y="1590863"/>
-            <a:ext cx="1728192" cy="1296453"/>
-          </a:xfrm>
-          <a:prstGeom prst="rect">
-            <a:avLst/>
-          </a:prstGeom>
-          <a:noFill/>
-          <a:extLst>
-            <a:ext uri="{909E8E84-426E-40DD-AFC4-6F175D3DCCD1}">
-              <a14:hiddenFill xmlns:a14="http://schemas.microsoft.com/office/drawing/2010/main">
-                <a:solidFill>
-                  <a:srgbClr val="FFFFFF"/>
-                </a:solidFill>
-              </a14:hiddenFill>
-            </a:ext>
-          </a:extLst>
-        </p:spPr>
-      </p:pic>
-      <p:pic>
-        <p:nvPicPr>
-          <p:cNvPr id="4105" name="Picture 9" descr="C:\Users\Tao\Google Drive\cs591\CSCI-491-Project\figures\BCDe1.png"/>
-          <p:cNvPicPr>
-            <a:picLocks noChangeAspect="1" noChangeArrowheads="1"/>
-          </p:cNvPicPr>
-          <p:nvPr/>
-        </p:nvPicPr>
-        <p:blipFill>
-          <a:blip r:embed="rId9" cstate="print">
-            <a:extLst>
-              <a:ext uri="{28A0092B-C50C-407E-A947-70E740481C1C}">
-                <a14:useLocalDpi xmlns:a14="http://schemas.microsoft.com/office/drawing/2010/main" val="0"/>
-              </a:ext>
-            </a:extLst>
-          </a:blip>
-          <a:srcRect/>
-          <a:stretch>
-            <a:fillRect/>
-          </a:stretch>
-        </p:blipFill>
-        <p:spPr bwMode="auto">
-          <a:xfrm>
-            <a:off x="6444208" y="3069730"/>
-            <a:ext cx="2212181" cy="1659531"/>
-          </a:xfrm>
-          <a:prstGeom prst="rect">
-            <a:avLst/>
-          </a:prstGeom>
-          <a:noFill/>
-          <a:extLst>
-            <a:ext uri="{909E8E84-426E-40DD-AFC4-6F175D3DCCD1}">
-              <a14:hiddenFill xmlns:a14="http://schemas.microsoft.com/office/drawing/2010/main">
-                <a:solidFill>
-                  <a:srgbClr val="FFFFFF"/>
-                </a:solidFill>
-              </a14:hiddenFill>
-            </a:ext>
-          </a:extLst>
-        </p:spPr>
-      </p:pic>
     </p:spTree>
     <p:extLst>
       <p:ext uri="{BB962C8B-B14F-4D97-AF65-F5344CB8AC3E}">
-        <p14:creationId xmlns:p14="http://schemas.microsoft.com/office/powerpoint/2010/main" val="4212096502"/>
+        <p14:creationId xmlns:p14="http://schemas.microsoft.com/office/powerpoint/2010/main" val="2013834461"/>
       </p:ext>
     </p:extLst>
   </p:cSld>
@@ -5053,7 +5667,11 @@
           <a:bodyPr/>
           <a:lstStyle/>
           <a:p>
-            <a:endParaRPr lang="en-US"/>
+            <a:r>
+              <a:rPr lang="en-US" dirty="0" smtClean="0"/>
+              <a:t>Possible approaches</a:t>
+            </a:r>
+            <a:endParaRPr lang="en-US" dirty="0"/>
           </a:p>
         </p:txBody>
       </p:sp>
@@ -5073,375 +5691,33 @@
           <a:lstStyle/>
           <a:p>
             <a:r>
+              <a:rPr lang="en-US" dirty="0" smtClean="0"/>
+              <a:t>Using the data of the beginning stage to limit human interaction and dimensionality. </a:t>
+            </a:r>
+          </a:p>
+          <a:p>
+            <a:r>
+              <a:rPr lang="en-US" dirty="0" smtClean="0"/>
+              <a:t>The strength of the first two cards dealt is kind of fixed logically.</a:t>
+            </a:r>
+          </a:p>
+          <a:p>
+            <a:r>
               <a:rPr lang="en-US" dirty="0" err="1" smtClean="0"/>
-              <a:t>ddddfdfdfdfgfgfdgfd</a:t>
+              <a:t>Hausdorff</a:t>
+            </a:r>
+            <a:r>
+              <a:rPr lang="en-US" dirty="0" smtClean="0"/>
+              <a:t> distance can be a summary of how similar players are to each other, if they have a relatively stable and tangible pattern.</a:t>
             </a:r>
             <a:endParaRPr lang="en-US" dirty="0"/>
           </a:p>
         </p:txBody>
       </p:sp>
-      <p:pic>
-        <p:nvPicPr>
-          <p:cNvPr id="5122" name="Picture 2" descr="C:\Users\Tao\Google Drive\cs591\CSCI-491-Project\figures\AEL5.png"/>
-          <p:cNvPicPr>
-            <a:picLocks noChangeAspect="1" noChangeArrowheads="1"/>
-          </p:cNvPicPr>
-          <p:nvPr/>
-        </p:nvPicPr>
-        <p:blipFill>
-          <a:blip r:embed="rId2" cstate="print">
-            <a:extLst>
-              <a:ext uri="{28A0092B-C50C-407E-A947-70E740481C1C}">
-                <a14:useLocalDpi xmlns:a14="http://schemas.microsoft.com/office/drawing/2010/main" val="0"/>
-              </a:ext>
-            </a:extLst>
-          </a:blip>
-          <a:srcRect/>
-          <a:stretch>
-            <a:fillRect/>
-          </a:stretch>
-        </p:blipFill>
-        <p:spPr bwMode="auto">
-          <a:xfrm>
-            <a:off x="461515" y="1556792"/>
-            <a:ext cx="2454302" cy="1841165"/>
-          </a:xfrm>
-          <a:prstGeom prst="rect">
-            <a:avLst/>
-          </a:prstGeom>
-          <a:noFill/>
-          <a:extLst>
-            <a:ext uri="{909E8E84-426E-40DD-AFC4-6F175D3DCCD1}">
-              <a14:hiddenFill xmlns:a14="http://schemas.microsoft.com/office/drawing/2010/main">
-                <a:solidFill>
-                  <a:srgbClr val="FFFFFF"/>
-                </a:solidFill>
-              </a14:hiddenFill>
-            </a:ext>
-          </a:extLst>
-        </p:spPr>
-      </p:pic>
-      <p:pic>
-        <p:nvPicPr>
-          <p:cNvPr id="5123" name="Picture 3" descr="C:\Users\Tao\Google Drive\cs591\CSCI-491-Project\figures\AEL51.png"/>
-          <p:cNvPicPr>
-            <a:picLocks noChangeAspect="1" noChangeArrowheads="1"/>
-          </p:cNvPicPr>
-          <p:nvPr/>
-        </p:nvPicPr>
-        <p:blipFill>
-          <a:blip r:embed="rId3" cstate="print">
-            <a:extLst>
-              <a:ext uri="{28A0092B-C50C-407E-A947-70E740481C1C}">
-                <a14:useLocalDpi xmlns:a14="http://schemas.microsoft.com/office/drawing/2010/main" val="0"/>
-              </a:ext>
-            </a:extLst>
-          </a:blip>
-          <a:srcRect/>
-          <a:stretch>
-            <a:fillRect/>
-          </a:stretch>
-        </p:blipFill>
-        <p:spPr bwMode="auto">
-          <a:xfrm>
-            <a:off x="611560" y="3212976"/>
-            <a:ext cx="2304257" cy="1728604"/>
-          </a:xfrm>
-          <a:prstGeom prst="rect">
-            <a:avLst/>
-          </a:prstGeom>
-          <a:noFill/>
-          <a:extLst>
-            <a:ext uri="{909E8E84-426E-40DD-AFC4-6F175D3DCCD1}">
-              <a14:hiddenFill xmlns:a14="http://schemas.microsoft.com/office/drawing/2010/main">
-                <a:solidFill>
-                  <a:srgbClr val="FFFFFF"/>
-                </a:solidFill>
-              </a14:hiddenFill>
-            </a:ext>
-          </a:extLst>
-        </p:spPr>
-      </p:pic>
-      <p:pic>
-        <p:nvPicPr>
-          <p:cNvPr id="5124" name="Picture 4" descr="C:\Users\Tao\Google Drive\cs591\CSCI-491-Project\figures\BEL5.png"/>
-          <p:cNvPicPr>
-            <a:picLocks noChangeAspect="1" noChangeArrowheads="1"/>
-          </p:cNvPicPr>
-          <p:nvPr/>
-        </p:nvPicPr>
-        <p:blipFill>
-          <a:blip r:embed="rId4" cstate="print">
-            <a:extLst>
-              <a:ext uri="{28A0092B-C50C-407E-A947-70E740481C1C}">
-                <a14:useLocalDpi xmlns:a14="http://schemas.microsoft.com/office/drawing/2010/main" val="0"/>
-              </a:ext>
-            </a:extLst>
-          </a:blip>
-          <a:srcRect/>
-          <a:stretch>
-            <a:fillRect/>
-          </a:stretch>
-        </p:blipFill>
-        <p:spPr bwMode="auto">
-          <a:xfrm>
-            <a:off x="2771800" y="1556792"/>
-            <a:ext cx="2207720" cy="1656184"/>
-          </a:xfrm>
-          <a:prstGeom prst="rect">
-            <a:avLst/>
-          </a:prstGeom>
-          <a:noFill/>
-          <a:extLst>
-            <a:ext uri="{909E8E84-426E-40DD-AFC4-6F175D3DCCD1}">
-              <a14:hiddenFill xmlns:a14="http://schemas.microsoft.com/office/drawing/2010/main">
-                <a:solidFill>
-                  <a:srgbClr val="FFFFFF"/>
-                </a:solidFill>
-              </a14:hiddenFill>
-            </a:ext>
-          </a:extLst>
-        </p:spPr>
-      </p:pic>
-      <p:pic>
-        <p:nvPicPr>
-          <p:cNvPr id="5125" name="Picture 5" descr="C:\Users\Tao\Google Drive\cs591\CSCI-491-Project\figures\BEL52.png"/>
-          <p:cNvPicPr>
-            <a:picLocks noChangeAspect="1" noChangeArrowheads="1"/>
-          </p:cNvPicPr>
-          <p:nvPr/>
-        </p:nvPicPr>
-        <p:blipFill>
-          <a:blip r:embed="rId5" cstate="print">
-            <a:extLst>
-              <a:ext uri="{28A0092B-C50C-407E-A947-70E740481C1C}">
-                <a14:useLocalDpi xmlns:a14="http://schemas.microsoft.com/office/drawing/2010/main" val="0"/>
-              </a:ext>
-            </a:extLst>
-          </a:blip>
-          <a:srcRect/>
-          <a:stretch>
-            <a:fillRect/>
-          </a:stretch>
-        </p:blipFill>
-        <p:spPr bwMode="auto">
-          <a:xfrm>
-            <a:off x="2931698" y="3140968"/>
-            <a:ext cx="2207720" cy="1656184"/>
-          </a:xfrm>
-          <a:prstGeom prst="rect">
-            <a:avLst/>
-          </a:prstGeom>
-          <a:noFill/>
-          <a:extLst>
-            <a:ext uri="{909E8E84-426E-40DD-AFC4-6F175D3DCCD1}">
-              <a14:hiddenFill xmlns:a14="http://schemas.microsoft.com/office/drawing/2010/main">
-                <a:solidFill>
-                  <a:srgbClr val="FFFFFF"/>
-                </a:solidFill>
-              </a14:hiddenFill>
-            </a:ext>
-          </a:extLst>
-        </p:spPr>
-      </p:pic>
-      <p:sp>
-        <p:nvSpPr>
-          <p:cNvPr id="4" name="TextBox 3"/>
-          <p:cNvSpPr txBox="1"/>
-          <p:nvPr/>
-        </p:nvSpPr>
-        <p:spPr>
-          <a:xfrm>
-            <a:off x="1128194" y="5157192"/>
-            <a:ext cx="3587822" cy="369332"/>
-          </a:xfrm>
-          <a:prstGeom prst="rect">
-            <a:avLst/>
-          </a:prstGeom>
-          <a:noFill/>
-        </p:spPr>
-        <p:txBody>
-          <a:bodyPr wrap="square" rtlCol="0">
-            <a:spAutoFit/>
-          </a:bodyPr>
-          <a:lstStyle/>
-          <a:p>
-            <a:r>
-              <a:rPr lang="en-US" dirty="0" smtClean="0"/>
-              <a:t>HD:1.1667 and 8.9096</a:t>
-            </a:r>
-            <a:endParaRPr lang="en-US" dirty="0"/>
-          </a:p>
-        </p:txBody>
-      </p:sp>
-      <p:pic>
-        <p:nvPicPr>
-          <p:cNvPr id="5128" name="Picture 8" descr="C:\Users\Tao\Google Drive\cs591\CSCI-491-Project\figures\AfsU.png"/>
-          <p:cNvPicPr>
-            <a:picLocks noChangeAspect="1" noChangeArrowheads="1"/>
-          </p:cNvPicPr>
-          <p:nvPr/>
-        </p:nvPicPr>
-        <p:blipFill>
-          <a:blip r:embed="rId6" cstate="print">
-            <a:extLst>
-              <a:ext uri="{28A0092B-C50C-407E-A947-70E740481C1C}">
-                <a14:useLocalDpi xmlns:a14="http://schemas.microsoft.com/office/drawing/2010/main" val="0"/>
-              </a:ext>
-            </a:extLst>
-          </a:blip>
-          <a:srcRect/>
-          <a:stretch>
-            <a:fillRect/>
-          </a:stretch>
-        </p:blipFill>
-        <p:spPr bwMode="auto">
-          <a:xfrm>
-            <a:off x="4788024" y="1400365"/>
-            <a:ext cx="2447143" cy="1835794"/>
-          </a:xfrm>
-          <a:prstGeom prst="rect">
-            <a:avLst/>
-          </a:prstGeom>
-          <a:noFill/>
-          <a:extLst>
-            <a:ext uri="{909E8E84-426E-40DD-AFC4-6F175D3DCCD1}">
-              <a14:hiddenFill xmlns:a14="http://schemas.microsoft.com/office/drawing/2010/main">
-                <a:solidFill>
-                  <a:srgbClr val="FFFFFF"/>
-                </a:solidFill>
-              </a14:hiddenFill>
-            </a:ext>
-          </a:extLst>
-        </p:spPr>
-      </p:pic>
-      <p:pic>
-        <p:nvPicPr>
-          <p:cNvPr id="5129" name="Picture 9" descr="C:\Users\Tao\Google Drive\cs591\CSCI-491-Project\figures\AfsU1.png"/>
-          <p:cNvPicPr>
-            <a:picLocks noChangeAspect="1" noChangeArrowheads="1"/>
-          </p:cNvPicPr>
-          <p:nvPr/>
-        </p:nvPicPr>
-        <p:blipFill>
-          <a:blip r:embed="rId7" cstate="print">
-            <a:extLst>
-              <a:ext uri="{28A0092B-C50C-407E-A947-70E740481C1C}">
-                <a14:useLocalDpi xmlns:a14="http://schemas.microsoft.com/office/drawing/2010/main" val="0"/>
-              </a:ext>
-            </a:extLst>
-          </a:blip>
-          <a:srcRect/>
-          <a:stretch>
-            <a:fillRect/>
-          </a:stretch>
-        </p:blipFill>
-        <p:spPr bwMode="auto">
-          <a:xfrm>
-            <a:off x="4788128" y="3094946"/>
-            <a:ext cx="2142561" cy="1607304"/>
-          </a:xfrm>
-          <a:prstGeom prst="rect">
-            <a:avLst/>
-          </a:prstGeom>
-          <a:noFill/>
-          <a:extLst>
-            <a:ext uri="{909E8E84-426E-40DD-AFC4-6F175D3DCCD1}">
-              <a14:hiddenFill xmlns:a14="http://schemas.microsoft.com/office/drawing/2010/main">
-                <a:solidFill>
-                  <a:srgbClr val="FFFFFF"/>
-                </a:solidFill>
-              </a14:hiddenFill>
-            </a:ext>
-          </a:extLst>
-        </p:spPr>
-      </p:pic>
-      <p:pic>
-        <p:nvPicPr>
-          <p:cNvPr id="5130" name="Picture 10" descr="C:\Users\Tao\Google Drive\cs591\CSCI-491-Project\figures\BfsU.png"/>
-          <p:cNvPicPr>
-            <a:picLocks noChangeAspect="1" noChangeArrowheads="1"/>
-          </p:cNvPicPr>
-          <p:nvPr/>
-        </p:nvPicPr>
-        <p:blipFill>
-          <a:blip r:embed="rId8" cstate="print">
-            <a:extLst>
-              <a:ext uri="{28A0092B-C50C-407E-A947-70E740481C1C}">
-                <a14:useLocalDpi xmlns:a14="http://schemas.microsoft.com/office/drawing/2010/main" val="0"/>
-              </a:ext>
-            </a:extLst>
-          </a:blip>
-          <a:srcRect/>
-          <a:stretch>
-            <a:fillRect/>
-          </a:stretch>
-        </p:blipFill>
-        <p:spPr bwMode="auto">
-          <a:xfrm>
-            <a:off x="6882185" y="1742350"/>
-            <a:ext cx="2258903" cy="1694581"/>
-          </a:xfrm>
-          <a:prstGeom prst="rect">
-            <a:avLst/>
-          </a:prstGeom>
-          <a:noFill/>
-          <a:extLst>
-            <a:ext uri="{909E8E84-426E-40DD-AFC4-6F175D3DCCD1}">
-              <a14:hiddenFill xmlns:a14="http://schemas.microsoft.com/office/drawing/2010/main">
-                <a:solidFill>
-                  <a:srgbClr val="FFFFFF"/>
-                </a:solidFill>
-              </a14:hiddenFill>
-            </a:ext>
-          </a:extLst>
-        </p:spPr>
-      </p:pic>
-      <p:pic>
-        <p:nvPicPr>
-          <p:cNvPr id="5131" name="Picture 11" descr="C:\Users\Tao\Google Drive\cs591\CSCI-491-Project\figures\BfsU1.png"/>
-          <p:cNvPicPr>
-            <a:picLocks noChangeAspect="1" noChangeArrowheads="1"/>
-          </p:cNvPicPr>
-          <p:nvPr/>
-        </p:nvPicPr>
-        <p:blipFill>
-          <a:blip r:embed="rId9" cstate="print">
-            <a:extLst>
-              <a:ext uri="{28A0092B-C50C-407E-A947-70E740481C1C}">
-                <a14:useLocalDpi xmlns:a14="http://schemas.microsoft.com/office/drawing/2010/main" val="0"/>
-              </a:ext>
-            </a:extLst>
-          </a:blip>
-          <a:srcRect/>
-          <a:stretch>
-            <a:fillRect/>
-          </a:stretch>
-        </p:blipFill>
-        <p:spPr bwMode="auto">
-          <a:xfrm>
-            <a:off x="6974919" y="3467644"/>
-            <a:ext cx="1783359" cy="1337838"/>
-          </a:xfrm>
-          <a:prstGeom prst="rect">
-            <a:avLst/>
-          </a:prstGeom>
-          <a:noFill/>
-          <a:extLst>
-            <a:ext uri="{909E8E84-426E-40DD-AFC4-6F175D3DCCD1}">
-              <a14:hiddenFill xmlns:a14="http://schemas.microsoft.com/office/drawing/2010/main">
-                <a:solidFill>
-                  <a:srgbClr val="FFFFFF"/>
-                </a:solidFill>
-              </a14:hiddenFill>
-            </a:ext>
-          </a:extLst>
-        </p:spPr>
-      </p:pic>
     </p:spTree>
     <p:extLst>
       <p:ext uri="{BB962C8B-B14F-4D97-AF65-F5344CB8AC3E}">
-        <p14:creationId xmlns:p14="http://schemas.microsoft.com/office/powerpoint/2010/main" val="1626715352"/>
+        <p14:creationId xmlns:p14="http://schemas.microsoft.com/office/powerpoint/2010/main" val="1273823457"/>
       </p:ext>
     </p:extLst>
   </p:cSld>
